--- a/n_01_UIUX요구분석_공차.pptx
+++ b/n_01_UIUX요구분석_공차.pptx
@@ -3037,7 +3037,7 @@
               </a:solidFill>
               <a:latin typeface="+mn-lt"/>
             </a:rPr>
-            <a:t>젊은 감각이 살아 있으면서도 고급스럽고 깔끔하게</a:t>
+            <a:t>세련되고 깔끔하게</a:t>
           </a:r>
           <a:r>
             <a:rPr lang="en-US" altLang="ko-KR" sz="1100" b="0" dirty="0">
@@ -5534,7 +5534,7 @@
               </a:solidFill>
               <a:latin typeface="+mn-lt"/>
             </a:rPr>
-            <a:t>젊은 감각이 살아 있으면서도 고급스럽고 깔끔하게</a:t>
+            <a:t>세련되고 깔끔하게</a:t>
           </a:r>
           <a:r>
             <a:rPr lang="en-US" altLang="ko-KR" sz="1100" b="0" kern="1200" dirty="0">
@@ -9272,7 +9272,7 @@
             <a:fld id="{6921685B-8A46-4547-B47D-D09C9DEE3113}" type="datetimeFigureOut">
               <a:rPr lang="ko-KR" altLang="en-US" smtClean="0"/>
               <a:pPr/>
-              <a:t>2021-09-05</a:t>
+              <a:t>2021-09-06</a:t>
             </a:fld>
             <a:endParaRPr lang="ko-KR" altLang="en-US" dirty="0"/>
           </a:p>
@@ -12038,7 +12038,7 @@
           <a:p>
             <a:fld id="{305352ED-F847-431A-9C4E-9984B483267A}" type="datetimeFigureOut">
               <a:rPr lang="ko-KR" altLang="en-US" smtClean="0"/>
-              <a:t>2021-09-05</a:t>
+              <a:t>2021-09-06</a:t>
             </a:fld>
             <a:endParaRPr lang="ko-KR" altLang="en-US"/>
           </a:p>
@@ -15966,6 +15966,41 @@
           </a:p>
         </p:txBody>
       </p:sp>
+      <p:pic>
+        <p:nvPicPr>
+          <p:cNvPr id="5" name="그림 4">
+            <a:extLst>
+              <a:ext uri="{FF2B5EF4-FFF2-40B4-BE49-F238E27FC236}">
+                <a16:creationId xmlns:a16="http://schemas.microsoft.com/office/drawing/2014/main" id="{F4205E70-A36B-4761-B868-E130373AE0C2}"/>
+              </a:ext>
+            </a:extLst>
+          </p:cNvPr>
+          <p:cNvPicPr>
+            <a:picLocks noChangeAspect="1"/>
+          </p:cNvPicPr>
+          <p:nvPr/>
+        </p:nvPicPr>
+        <p:blipFill rotWithShape="1">
+          <a:blip r:embed="rId2" cstate="print">
+            <a:extLst>
+              <a:ext uri="{28A0092B-C50C-407E-A947-70E740481C1C}">
+                <a14:useLocalDpi xmlns:a14="http://schemas.microsoft.com/office/drawing/2010/main" val="0"/>
+              </a:ext>
+            </a:extLst>
+          </a:blip>
+          <a:srcRect l="35700" r="36550"/>
+          <a:stretch/>
+        </p:blipFill>
+        <p:spPr>
+          <a:xfrm>
+            <a:off x="1095830" y="2001611"/>
+            <a:ext cx="3383280" cy="5842652"/>
+          </a:xfrm>
+          <a:prstGeom prst="rect">
+            <a:avLst/>
+          </a:prstGeom>
+        </p:spPr>
+      </p:pic>
     </p:spTree>
     <p:extLst>
       <p:ext uri="{BB962C8B-B14F-4D97-AF65-F5344CB8AC3E}">
@@ -18217,7 +18252,7 @@
           <p:nvPr>
             <p:extLst>
               <p:ext uri="{D42A27DB-BD31-4B8C-83A1-F6EECF244321}">
-                <p14:modId xmlns:p14="http://schemas.microsoft.com/office/powerpoint/2010/main" val="1311846997"/>
+                <p14:modId xmlns:p14="http://schemas.microsoft.com/office/powerpoint/2010/main" val="3379630555"/>
               </p:ext>
             </p:extLst>
           </p:nvPr>

--- a/n_01_UIUX요구분석_공차.pptx
+++ b/n_01_UIUX요구분석_공차.pptx
@@ -9272,7 +9272,7 @@
             <a:fld id="{6921685B-8A46-4547-B47D-D09C9DEE3113}" type="datetimeFigureOut">
               <a:rPr lang="ko-KR" altLang="en-US" smtClean="0"/>
               <a:pPr/>
-              <a:t>2021-09-06</a:t>
+              <a:t>2021-09-13</a:t>
             </a:fld>
             <a:endParaRPr lang="ko-KR" altLang="en-US" dirty="0"/>
           </a:p>
@@ -12038,7 +12038,7 @@
           <a:p>
             <a:fld id="{305352ED-F847-431A-9C4E-9984B483267A}" type="datetimeFigureOut">
               <a:rPr lang="ko-KR" altLang="en-US" smtClean="0"/>
-              <a:t>2021-09-06</a:t>
+              <a:t>2021-09-13</a:t>
             </a:fld>
             <a:endParaRPr lang="ko-KR" altLang="en-US"/>
           </a:p>
@@ -12783,7 +12783,7 @@
             </a:r>
             <a:r>
               <a:rPr lang="en-US" altLang="ko-KR" sz="1800" dirty="0"/>
-              <a:t>5</a:t>
+              <a:t>13</a:t>
             </a:r>
             <a:r>
               <a:rPr lang="ko-KR" altLang="en-US" sz="1800" dirty="0"/>
@@ -13866,6 +13866,2516 @@
           </a:p>
         </p:txBody>
       </p:sp>
+      <p:sp>
+        <p:nvSpPr>
+          <p:cNvPr id="10" name="TextBox 9">
+            <a:extLst>
+              <a:ext uri="{FF2B5EF4-FFF2-40B4-BE49-F238E27FC236}">
+                <a16:creationId xmlns:a16="http://schemas.microsoft.com/office/drawing/2014/main" id="{2833E1FF-EFDA-4333-BADE-C9D770776EE5}"/>
+              </a:ext>
+            </a:extLst>
+          </p:cNvPr>
+          <p:cNvSpPr txBox="1"/>
+          <p:nvPr/>
+        </p:nvSpPr>
+        <p:spPr>
+          <a:xfrm>
+            <a:off x="1314435" y="2633359"/>
+            <a:ext cx="685688" cy="276999"/>
+          </a:xfrm>
+          <a:prstGeom prst="rect">
+            <a:avLst/>
+          </a:prstGeom>
+          <a:noFill/>
+        </p:spPr>
+        <p:txBody>
+          <a:bodyPr wrap="square">
+            <a:spAutoFit/>
+          </a:bodyPr>
+          <a:lstStyle/>
+          <a:p>
+            <a:pPr algn="ctr"/>
+            <a:r>
+              <a:rPr lang="ko-KR" altLang="en-US" sz="1200" dirty="0" err="1"/>
+              <a:t>밀크티</a:t>
+            </a:r>
+            <a:endParaRPr lang="ko-KR" altLang="en-US" sz="1200" dirty="0"/>
+          </a:p>
+        </p:txBody>
+      </p:sp>
+      <p:sp>
+        <p:nvSpPr>
+          <p:cNvPr id="11" name="TextBox 10">
+            <a:extLst>
+              <a:ext uri="{FF2B5EF4-FFF2-40B4-BE49-F238E27FC236}">
+                <a16:creationId xmlns:a16="http://schemas.microsoft.com/office/drawing/2014/main" id="{824D2CBC-2CF3-4B29-AB21-64524D27C13C}"/>
+              </a:ext>
+            </a:extLst>
+          </p:cNvPr>
+          <p:cNvSpPr txBox="1"/>
+          <p:nvPr/>
+        </p:nvSpPr>
+        <p:spPr>
+          <a:xfrm>
+            <a:off x="2018411" y="2614503"/>
+            <a:ext cx="1082872" cy="276999"/>
+          </a:xfrm>
+          <a:prstGeom prst="rect">
+            <a:avLst/>
+          </a:prstGeom>
+          <a:noFill/>
+        </p:spPr>
+        <p:txBody>
+          <a:bodyPr wrap="square">
+            <a:spAutoFit/>
+          </a:bodyPr>
+          <a:lstStyle/>
+          <a:p>
+            <a:pPr algn="ctr"/>
+            <a:r>
+              <a:rPr lang="ko-KR" altLang="en-US" sz="1200" kern="0" dirty="0" err="1">
+                <a:latin typeface="맑은 고딕" panose="020B0503020000020004" pitchFamily="50" charset="-127"/>
+                <a:ea typeface="맑은 고딕" panose="020B0503020000020004" pitchFamily="50" charset="-127"/>
+              </a:rPr>
+              <a:t>타피오카</a:t>
+            </a:r>
+            <a:r>
+              <a:rPr lang="ko-KR" altLang="en-US" sz="1200" kern="0" dirty="0">
+                <a:latin typeface="맑은 고딕" panose="020B0503020000020004" pitchFamily="50" charset="-127"/>
+                <a:ea typeface="맑은 고딕" panose="020B0503020000020004" pitchFamily="50" charset="-127"/>
+              </a:rPr>
+              <a:t> 펄</a:t>
+            </a:r>
+            <a:endParaRPr lang="ko-KR" altLang="en-US" sz="1200" dirty="0"/>
+          </a:p>
+        </p:txBody>
+      </p:sp>
+      <p:sp>
+        <p:nvSpPr>
+          <p:cNvPr id="14" name="TextBox 13">
+            <a:extLst>
+              <a:ext uri="{FF2B5EF4-FFF2-40B4-BE49-F238E27FC236}">
+                <a16:creationId xmlns:a16="http://schemas.microsoft.com/office/drawing/2014/main" id="{4961069E-3B5E-409E-B321-EB098818912C}"/>
+              </a:ext>
+            </a:extLst>
+          </p:cNvPr>
+          <p:cNvSpPr txBox="1"/>
+          <p:nvPr/>
+        </p:nvSpPr>
+        <p:spPr>
+          <a:xfrm>
+            <a:off x="1846044" y="2992212"/>
+            <a:ext cx="685688" cy="276999"/>
+          </a:xfrm>
+          <a:prstGeom prst="rect">
+            <a:avLst/>
+          </a:prstGeom>
+          <a:noFill/>
+        </p:spPr>
+        <p:txBody>
+          <a:bodyPr wrap="square">
+            <a:spAutoFit/>
+          </a:bodyPr>
+          <a:lstStyle/>
+          <a:p>
+            <a:pPr algn="ctr"/>
+            <a:r>
+              <a:rPr lang="ko-KR" altLang="en-US" sz="1200" kern="0" dirty="0">
+                <a:latin typeface="맑은 고딕" panose="020B0503020000020004" pitchFamily="50" charset="-127"/>
+                <a:ea typeface="맑은 고딕" panose="020B0503020000020004" pitchFamily="50" charset="-127"/>
+              </a:rPr>
+              <a:t>달다</a:t>
+            </a:r>
+            <a:endParaRPr lang="ko-KR" altLang="en-US" sz="1200" dirty="0"/>
+          </a:p>
+        </p:txBody>
+      </p:sp>
+      <p:sp>
+        <p:nvSpPr>
+          <p:cNvPr id="15" name="TextBox 14">
+            <a:extLst>
+              <a:ext uri="{FF2B5EF4-FFF2-40B4-BE49-F238E27FC236}">
+                <a16:creationId xmlns:a16="http://schemas.microsoft.com/office/drawing/2014/main" id="{2C6A701B-BE40-4BFE-BF10-DDBB91E99643}"/>
+              </a:ext>
+            </a:extLst>
+          </p:cNvPr>
+          <p:cNvSpPr txBox="1"/>
+          <p:nvPr/>
+        </p:nvSpPr>
+        <p:spPr>
+          <a:xfrm>
+            <a:off x="2537086" y="2978556"/>
+            <a:ext cx="685688" cy="276999"/>
+          </a:xfrm>
+          <a:prstGeom prst="rect">
+            <a:avLst/>
+          </a:prstGeom>
+          <a:noFill/>
+        </p:spPr>
+        <p:txBody>
+          <a:bodyPr wrap="square">
+            <a:spAutoFit/>
+          </a:bodyPr>
+          <a:lstStyle/>
+          <a:p>
+            <a:pPr algn="ctr"/>
+            <a:r>
+              <a:rPr lang="ko-KR" altLang="en-US" sz="1200" dirty="0" err="1"/>
+              <a:t>잎차</a:t>
+            </a:r>
+            <a:endParaRPr lang="ko-KR" altLang="en-US" sz="1200" dirty="0"/>
+          </a:p>
+        </p:txBody>
+      </p:sp>
+      <p:sp>
+        <p:nvSpPr>
+          <p:cNvPr id="16" name="TextBox 15">
+            <a:extLst>
+              <a:ext uri="{FF2B5EF4-FFF2-40B4-BE49-F238E27FC236}">
+                <a16:creationId xmlns:a16="http://schemas.microsoft.com/office/drawing/2014/main" id="{F0DEC3E2-BEC6-4121-B8A3-51BB1737A132}"/>
+              </a:ext>
+            </a:extLst>
+          </p:cNvPr>
+          <p:cNvSpPr txBox="1"/>
+          <p:nvPr/>
+        </p:nvSpPr>
+        <p:spPr>
+          <a:xfrm>
+            <a:off x="3074289" y="2626314"/>
+            <a:ext cx="906809" cy="276999"/>
+          </a:xfrm>
+          <a:prstGeom prst="rect">
+            <a:avLst/>
+          </a:prstGeom>
+          <a:noFill/>
+        </p:spPr>
+        <p:txBody>
+          <a:bodyPr wrap="square">
+            <a:spAutoFit/>
+          </a:bodyPr>
+          <a:lstStyle/>
+          <a:p>
+            <a:pPr algn="ctr"/>
+            <a:r>
+              <a:rPr lang="ko-KR" altLang="en-US" sz="1200" kern="0">
+                <a:latin typeface="맑은 고딕" panose="020B0503020000020004" pitchFamily="50" charset="-127"/>
+                <a:ea typeface="맑은 고딕" panose="020B0503020000020004" pitchFamily="50" charset="-127"/>
+              </a:rPr>
+              <a:t>화이트펄</a:t>
+            </a:r>
+            <a:endParaRPr lang="ko-KR" altLang="en-US" sz="1200" dirty="0"/>
+          </a:p>
+        </p:txBody>
+      </p:sp>
+      <p:sp>
+        <p:nvSpPr>
+          <p:cNvPr id="17" name="TextBox 16">
+            <a:extLst>
+              <a:ext uri="{FF2B5EF4-FFF2-40B4-BE49-F238E27FC236}">
+                <a16:creationId xmlns:a16="http://schemas.microsoft.com/office/drawing/2014/main" id="{B0D4D12F-4262-4A20-88AD-78AE00E97CE0}"/>
+              </a:ext>
+            </a:extLst>
+          </p:cNvPr>
+          <p:cNvSpPr txBox="1"/>
+          <p:nvPr/>
+        </p:nvSpPr>
+        <p:spPr>
+          <a:xfrm>
+            <a:off x="3110289" y="3007763"/>
+            <a:ext cx="685688" cy="276999"/>
+          </a:xfrm>
+          <a:prstGeom prst="rect">
+            <a:avLst/>
+          </a:prstGeom>
+          <a:noFill/>
+        </p:spPr>
+        <p:txBody>
+          <a:bodyPr wrap="square">
+            <a:spAutoFit/>
+          </a:bodyPr>
+          <a:lstStyle/>
+          <a:p>
+            <a:pPr algn="ctr"/>
+            <a:r>
+              <a:rPr lang="ko-KR" altLang="en-US" sz="1200" kern="0" dirty="0">
+                <a:latin typeface="맑은 고딕" panose="020B0503020000020004" pitchFamily="50" charset="-127"/>
+                <a:ea typeface="맑은 고딕" panose="020B0503020000020004" pitchFamily="50" charset="-127"/>
+              </a:rPr>
+              <a:t>대만</a:t>
+            </a:r>
+            <a:endParaRPr lang="ko-KR" altLang="en-US" sz="1200" dirty="0"/>
+          </a:p>
+        </p:txBody>
+      </p:sp>
+      <p:sp>
+        <p:nvSpPr>
+          <p:cNvPr id="18" name="TextBox 17">
+            <a:extLst>
+              <a:ext uri="{FF2B5EF4-FFF2-40B4-BE49-F238E27FC236}">
+                <a16:creationId xmlns:a16="http://schemas.microsoft.com/office/drawing/2014/main" id="{11C540EE-2615-4F9A-BC37-65032A11D7B8}"/>
+              </a:ext>
+            </a:extLst>
+          </p:cNvPr>
+          <p:cNvSpPr txBox="1"/>
+          <p:nvPr/>
+        </p:nvSpPr>
+        <p:spPr>
+          <a:xfrm>
+            <a:off x="1363053" y="3332502"/>
+            <a:ext cx="685688" cy="276999"/>
+          </a:xfrm>
+          <a:prstGeom prst="rect">
+            <a:avLst/>
+          </a:prstGeom>
+          <a:noFill/>
+        </p:spPr>
+        <p:txBody>
+          <a:bodyPr wrap="square">
+            <a:spAutoFit/>
+          </a:bodyPr>
+          <a:lstStyle/>
+          <a:p>
+            <a:pPr algn="ctr"/>
+            <a:r>
+              <a:rPr lang="ko-KR" altLang="en-US" sz="1200" kern="0" dirty="0">
+                <a:latin typeface="맑은 고딕" panose="020B0503020000020004" pitchFamily="50" charset="-127"/>
+                <a:ea typeface="맑은 고딕" panose="020B0503020000020004" pitchFamily="50" charset="-127"/>
+              </a:rPr>
+              <a:t>음료</a:t>
+            </a:r>
+            <a:endParaRPr lang="ko-KR" altLang="en-US" sz="1200" dirty="0"/>
+          </a:p>
+        </p:txBody>
+      </p:sp>
+      <p:sp>
+        <p:nvSpPr>
+          <p:cNvPr id="19" name="TextBox 18">
+            <a:extLst>
+              <a:ext uri="{FF2B5EF4-FFF2-40B4-BE49-F238E27FC236}">
+                <a16:creationId xmlns:a16="http://schemas.microsoft.com/office/drawing/2014/main" id="{937C7B5E-3687-4AD5-BC60-C9CBD58A8084}"/>
+              </a:ext>
+            </a:extLst>
+          </p:cNvPr>
+          <p:cNvSpPr txBox="1"/>
+          <p:nvPr/>
+        </p:nvSpPr>
+        <p:spPr>
+          <a:xfrm>
+            <a:off x="1958529" y="3387463"/>
+            <a:ext cx="685688" cy="276999"/>
+          </a:xfrm>
+          <a:prstGeom prst="rect">
+            <a:avLst/>
+          </a:prstGeom>
+          <a:noFill/>
+        </p:spPr>
+        <p:txBody>
+          <a:bodyPr wrap="square">
+            <a:spAutoFit/>
+          </a:bodyPr>
+          <a:lstStyle/>
+          <a:p>
+            <a:pPr algn="ctr"/>
+            <a:r>
+              <a:rPr lang="ko-KR" altLang="en-US" sz="1200" kern="0" dirty="0">
+                <a:latin typeface="맑은 고딕" panose="020B0503020000020004" pitchFamily="50" charset="-127"/>
+                <a:ea typeface="맑은 고딕" panose="020B0503020000020004" pitchFamily="50" charset="-127"/>
+              </a:rPr>
+              <a:t>젊다</a:t>
+            </a:r>
+            <a:endParaRPr lang="ko-KR" altLang="en-US" sz="1200" dirty="0"/>
+          </a:p>
+        </p:txBody>
+      </p:sp>
+      <p:sp>
+        <p:nvSpPr>
+          <p:cNvPr id="21" name="TextBox 20">
+            <a:extLst>
+              <a:ext uri="{FF2B5EF4-FFF2-40B4-BE49-F238E27FC236}">
+                <a16:creationId xmlns:a16="http://schemas.microsoft.com/office/drawing/2014/main" id="{1B23B415-D8B2-4ABD-B700-254276B50585}"/>
+              </a:ext>
+            </a:extLst>
+          </p:cNvPr>
+          <p:cNvSpPr txBox="1"/>
+          <p:nvPr/>
+        </p:nvSpPr>
+        <p:spPr>
+          <a:xfrm>
+            <a:off x="1272841" y="4944939"/>
+            <a:ext cx="685688" cy="276999"/>
+          </a:xfrm>
+          <a:prstGeom prst="rect">
+            <a:avLst/>
+          </a:prstGeom>
+          <a:noFill/>
+        </p:spPr>
+        <p:txBody>
+          <a:bodyPr wrap="square">
+            <a:spAutoFit/>
+          </a:bodyPr>
+          <a:lstStyle/>
+          <a:p>
+            <a:pPr algn="ctr"/>
+            <a:r>
+              <a:rPr lang="ko-KR" altLang="en-US" sz="1200" kern="0" dirty="0" err="1">
+                <a:latin typeface="맑은 고딕" panose="020B0503020000020004" pitchFamily="50" charset="-127"/>
+                <a:ea typeface="맑은 고딕" panose="020B0503020000020004" pitchFamily="50" charset="-127"/>
+              </a:rPr>
+              <a:t>밀크폼</a:t>
+            </a:r>
+            <a:endParaRPr lang="ko-KR" altLang="en-US" sz="1200" dirty="0"/>
+          </a:p>
+        </p:txBody>
+      </p:sp>
+      <p:sp>
+        <p:nvSpPr>
+          <p:cNvPr id="22" name="TextBox 21">
+            <a:extLst>
+              <a:ext uri="{FF2B5EF4-FFF2-40B4-BE49-F238E27FC236}">
+                <a16:creationId xmlns:a16="http://schemas.microsoft.com/office/drawing/2014/main" id="{ECA4D569-7404-4D57-BF8D-DEE87F962C78}"/>
+              </a:ext>
+            </a:extLst>
+          </p:cNvPr>
+          <p:cNvSpPr txBox="1"/>
+          <p:nvPr/>
+        </p:nvSpPr>
+        <p:spPr>
+          <a:xfrm>
+            <a:off x="1816380" y="4962739"/>
+            <a:ext cx="685688" cy="276999"/>
+          </a:xfrm>
+          <a:prstGeom prst="rect">
+            <a:avLst/>
+          </a:prstGeom>
+          <a:noFill/>
+        </p:spPr>
+        <p:txBody>
+          <a:bodyPr wrap="square">
+            <a:spAutoFit/>
+          </a:bodyPr>
+          <a:lstStyle/>
+          <a:p>
+            <a:pPr algn="ctr"/>
+            <a:r>
+              <a:rPr lang="ko-KR" altLang="en-US" sz="1200" kern="0" dirty="0">
+                <a:latin typeface="맑은 고딕" panose="020B0503020000020004" pitchFamily="50" charset="-127"/>
+                <a:ea typeface="맑은 고딕" panose="020B0503020000020004" pitchFamily="50" charset="-127"/>
+              </a:rPr>
+              <a:t>에이드</a:t>
+            </a:r>
+            <a:endParaRPr lang="ko-KR" altLang="en-US" sz="1200" dirty="0"/>
+          </a:p>
+        </p:txBody>
+      </p:sp>
+      <p:sp>
+        <p:nvSpPr>
+          <p:cNvPr id="23" name="TextBox 22">
+            <a:extLst>
+              <a:ext uri="{FF2B5EF4-FFF2-40B4-BE49-F238E27FC236}">
+                <a16:creationId xmlns:a16="http://schemas.microsoft.com/office/drawing/2014/main" id="{889F8FA3-EF75-4376-8714-A107F9A09418}"/>
+              </a:ext>
+            </a:extLst>
+          </p:cNvPr>
+          <p:cNvSpPr txBox="1"/>
+          <p:nvPr/>
+        </p:nvSpPr>
+        <p:spPr>
+          <a:xfrm>
+            <a:off x="2386885" y="4975643"/>
+            <a:ext cx="1218341" cy="276999"/>
+          </a:xfrm>
+          <a:prstGeom prst="rect">
+            <a:avLst/>
+          </a:prstGeom>
+          <a:noFill/>
+        </p:spPr>
+        <p:txBody>
+          <a:bodyPr wrap="square">
+            <a:spAutoFit/>
+          </a:bodyPr>
+          <a:lstStyle/>
+          <a:p>
+            <a:pPr algn="ctr"/>
+            <a:r>
+              <a:rPr lang="ko-KR" altLang="en-US" sz="1200" kern="0" dirty="0">
+                <a:latin typeface="맑은 고딕" panose="020B0503020000020004" pitchFamily="50" charset="-127"/>
+                <a:ea typeface="맑은 고딕" panose="020B0503020000020004" pitchFamily="50" charset="-127"/>
+              </a:rPr>
+              <a:t>커스터마이징</a:t>
+            </a:r>
+            <a:endParaRPr lang="ko-KR" altLang="en-US" sz="1200" dirty="0"/>
+          </a:p>
+        </p:txBody>
+      </p:sp>
+      <p:sp>
+        <p:nvSpPr>
+          <p:cNvPr id="24" name="TextBox 23">
+            <a:extLst>
+              <a:ext uri="{FF2B5EF4-FFF2-40B4-BE49-F238E27FC236}">
+                <a16:creationId xmlns:a16="http://schemas.microsoft.com/office/drawing/2014/main" id="{D208DE2B-C28F-46FE-ACAA-C18BE347E90F}"/>
+              </a:ext>
+            </a:extLst>
+          </p:cNvPr>
+          <p:cNvSpPr txBox="1"/>
+          <p:nvPr/>
+        </p:nvSpPr>
+        <p:spPr>
+          <a:xfrm>
+            <a:off x="2628610" y="3319537"/>
+            <a:ext cx="1021243" cy="276999"/>
+          </a:xfrm>
+          <a:prstGeom prst="rect">
+            <a:avLst/>
+          </a:prstGeom>
+          <a:noFill/>
+        </p:spPr>
+        <p:txBody>
+          <a:bodyPr wrap="square">
+            <a:spAutoFit/>
+          </a:bodyPr>
+          <a:lstStyle/>
+          <a:p>
+            <a:pPr algn="ctr"/>
+            <a:r>
+              <a:rPr lang="ko-KR" altLang="en-US" sz="1200" kern="0" dirty="0" err="1">
+                <a:latin typeface="맑은 고딕" panose="020B0503020000020004" pitchFamily="50" charset="-127"/>
+                <a:ea typeface="맑은 고딕" panose="020B0503020000020004" pitchFamily="50" charset="-127"/>
+              </a:rPr>
+              <a:t>브라운슈가</a:t>
+            </a:r>
+            <a:endParaRPr lang="ko-KR" altLang="en-US" sz="1200" dirty="0"/>
+          </a:p>
+        </p:txBody>
+      </p:sp>
+      <p:sp>
+        <p:nvSpPr>
+          <p:cNvPr id="25" name="TextBox 24">
+            <a:extLst>
+              <a:ext uri="{FF2B5EF4-FFF2-40B4-BE49-F238E27FC236}">
+                <a16:creationId xmlns:a16="http://schemas.microsoft.com/office/drawing/2014/main" id="{CBC401ED-D03E-4AA6-8FC0-21D2DD33B0BC}"/>
+              </a:ext>
+            </a:extLst>
+          </p:cNvPr>
+          <p:cNvSpPr txBox="1"/>
+          <p:nvPr/>
+        </p:nvSpPr>
+        <p:spPr>
+          <a:xfrm>
+            <a:off x="3295411" y="5354442"/>
+            <a:ext cx="685688" cy="276999"/>
+          </a:xfrm>
+          <a:prstGeom prst="rect">
+            <a:avLst/>
+          </a:prstGeom>
+          <a:noFill/>
+        </p:spPr>
+        <p:txBody>
+          <a:bodyPr wrap="square">
+            <a:spAutoFit/>
+          </a:bodyPr>
+          <a:lstStyle/>
+          <a:p>
+            <a:pPr algn="ctr"/>
+            <a:r>
+              <a:rPr lang="ko-KR" altLang="en-US" sz="1200" kern="0" dirty="0">
+                <a:latin typeface="맑은 고딕" panose="020B0503020000020004" pitchFamily="50" charset="-127"/>
+                <a:ea typeface="맑은 고딕" panose="020B0503020000020004" pitchFamily="50" charset="-127"/>
+              </a:rPr>
+              <a:t>얼음</a:t>
+            </a:r>
+            <a:endParaRPr lang="ko-KR" altLang="en-US" sz="1200" dirty="0"/>
+          </a:p>
+        </p:txBody>
+      </p:sp>
+      <p:sp>
+        <p:nvSpPr>
+          <p:cNvPr id="26" name="TextBox 25">
+            <a:extLst>
+              <a:ext uri="{FF2B5EF4-FFF2-40B4-BE49-F238E27FC236}">
+                <a16:creationId xmlns:a16="http://schemas.microsoft.com/office/drawing/2014/main" id="{034F41A2-C584-4F99-ACBE-271AA0C92374}"/>
+              </a:ext>
+            </a:extLst>
+          </p:cNvPr>
+          <p:cNvSpPr txBox="1"/>
+          <p:nvPr/>
+        </p:nvSpPr>
+        <p:spPr>
+          <a:xfrm>
+            <a:off x="2656962" y="5376491"/>
+            <a:ext cx="685688" cy="276999"/>
+          </a:xfrm>
+          <a:prstGeom prst="rect">
+            <a:avLst/>
+          </a:prstGeom>
+          <a:noFill/>
+        </p:spPr>
+        <p:txBody>
+          <a:bodyPr wrap="square">
+            <a:spAutoFit/>
+          </a:bodyPr>
+          <a:lstStyle/>
+          <a:p>
+            <a:pPr algn="ctr"/>
+            <a:r>
+              <a:rPr lang="ko-KR" altLang="en-US" sz="1200" kern="0" dirty="0" err="1">
+                <a:latin typeface="맑은 고딕" panose="020B0503020000020004" pitchFamily="50" charset="-127"/>
+                <a:ea typeface="맑은 고딕" panose="020B0503020000020004" pitchFamily="50" charset="-127"/>
+              </a:rPr>
+              <a:t>초코</a:t>
+            </a:r>
+            <a:endParaRPr lang="ko-KR" altLang="en-US" sz="1200" dirty="0"/>
+          </a:p>
+        </p:txBody>
+      </p:sp>
+      <p:sp>
+        <p:nvSpPr>
+          <p:cNvPr id="27" name="TextBox 26">
+            <a:extLst>
+              <a:ext uri="{FF2B5EF4-FFF2-40B4-BE49-F238E27FC236}">
+                <a16:creationId xmlns:a16="http://schemas.microsoft.com/office/drawing/2014/main" id="{9B036D43-553E-49F9-8D17-0C5F6B239F40}"/>
+              </a:ext>
+            </a:extLst>
+          </p:cNvPr>
+          <p:cNvSpPr txBox="1"/>
+          <p:nvPr/>
+        </p:nvSpPr>
+        <p:spPr>
+          <a:xfrm>
+            <a:off x="2152051" y="5492081"/>
+            <a:ext cx="685688" cy="276999"/>
+          </a:xfrm>
+          <a:prstGeom prst="rect">
+            <a:avLst/>
+          </a:prstGeom>
+          <a:noFill/>
+        </p:spPr>
+        <p:txBody>
+          <a:bodyPr wrap="square">
+            <a:spAutoFit/>
+          </a:bodyPr>
+          <a:lstStyle/>
+          <a:p>
+            <a:pPr algn="ctr"/>
+            <a:r>
+              <a:rPr lang="ko-KR" altLang="en-US" sz="1200" dirty="0"/>
+              <a:t>딸기</a:t>
+            </a:r>
+          </a:p>
+        </p:txBody>
+      </p:sp>
+      <p:sp>
+        <p:nvSpPr>
+          <p:cNvPr id="28" name="TextBox 27">
+            <a:extLst>
+              <a:ext uri="{FF2B5EF4-FFF2-40B4-BE49-F238E27FC236}">
+                <a16:creationId xmlns:a16="http://schemas.microsoft.com/office/drawing/2014/main" id="{92AAF883-BD05-42A0-BE03-50A6E215AC03}"/>
+              </a:ext>
+            </a:extLst>
+          </p:cNvPr>
+          <p:cNvSpPr txBox="1"/>
+          <p:nvPr/>
+        </p:nvSpPr>
+        <p:spPr>
+          <a:xfrm>
+            <a:off x="1573043" y="5447337"/>
+            <a:ext cx="685688" cy="276999"/>
+          </a:xfrm>
+          <a:prstGeom prst="rect">
+            <a:avLst/>
+          </a:prstGeom>
+          <a:noFill/>
+        </p:spPr>
+        <p:txBody>
+          <a:bodyPr wrap="square">
+            <a:spAutoFit/>
+          </a:bodyPr>
+          <a:lstStyle/>
+          <a:p>
+            <a:pPr algn="ctr"/>
+            <a:r>
+              <a:rPr lang="ko-KR" altLang="en-US" sz="1200" kern="0" dirty="0">
+                <a:latin typeface="맑은 고딕" panose="020B0503020000020004" pitchFamily="50" charset="-127"/>
+                <a:ea typeface="맑은 고딕" panose="020B0503020000020004" pitchFamily="50" charset="-127"/>
+              </a:rPr>
+              <a:t>타로</a:t>
+            </a:r>
+            <a:endParaRPr lang="ko-KR" altLang="en-US" sz="1200" dirty="0"/>
+          </a:p>
+        </p:txBody>
+      </p:sp>
+      <p:sp>
+        <p:nvSpPr>
+          <p:cNvPr id="29" name="TextBox 28">
+            <a:extLst>
+              <a:ext uri="{FF2B5EF4-FFF2-40B4-BE49-F238E27FC236}">
+                <a16:creationId xmlns:a16="http://schemas.microsoft.com/office/drawing/2014/main" id="{8E3C52C3-9169-4EC0-A635-5DE29DA68EEB}"/>
+              </a:ext>
+            </a:extLst>
+          </p:cNvPr>
+          <p:cNvSpPr txBox="1"/>
+          <p:nvPr/>
+        </p:nvSpPr>
+        <p:spPr>
+          <a:xfrm>
+            <a:off x="3400477" y="4097790"/>
+            <a:ext cx="685688" cy="276999"/>
+          </a:xfrm>
+          <a:prstGeom prst="rect">
+            <a:avLst/>
+          </a:prstGeom>
+          <a:noFill/>
+        </p:spPr>
+        <p:txBody>
+          <a:bodyPr wrap="square">
+            <a:spAutoFit/>
+          </a:bodyPr>
+          <a:lstStyle/>
+          <a:p>
+            <a:pPr algn="ctr"/>
+            <a:r>
+              <a:rPr lang="ko-KR" altLang="en-US" sz="1200" kern="0" dirty="0">
+                <a:latin typeface="맑은 고딕" panose="020B0503020000020004" pitchFamily="50" charset="-127"/>
+                <a:ea typeface="맑은 고딕" panose="020B0503020000020004" pitchFamily="50" charset="-127"/>
+              </a:rPr>
+              <a:t>녹차</a:t>
+            </a:r>
+            <a:endParaRPr lang="ko-KR" altLang="en-US" sz="1200" dirty="0"/>
+          </a:p>
+        </p:txBody>
+      </p:sp>
+      <p:sp>
+        <p:nvSpPr>
+          <p:cNvPr id="30" name="TextBox 29">
+            <a:extLst>
+              <a:ext uri="{FF2B5EF4-FFF2-40B4-BE49-F238E27FC236}">
+                <a16:creationId xmlns:a16="http://schemas.microsoft.com/office/drawing/2014/main" id="{F7E92371-23A9-4FAB-B481-14A505A65ED1}"/>
+              </a:ext>
+            </a:extLst>
+          </p:cNvPr>
+          <p:cNvSpPr txBox="1"/>
+          <p:nvPr/>
+        </p:nvSpPr>
+        <p:spPr>
+          <a:xfrm>
+            <a:off x="3354594" y="3708469"/>
+            <a:ext cx="685688" cy="276999"/>
+          </a:xfrm>
+          <a:prstGeom prst="rect">
+            <a:avLst/>
+          </a:prstGeom>
+          <a:noFill/>
+        </p:spPr>
+        <p:txBody>
+          <a:bodyPr wrap="square">
+            <a:spAutoFit/>
+          </a:bodyPr>
+          <a:lstStyle/>
+          <a:p>
+            <a:pPr algn="ctr"/>
+            <a:r>
+              <a:rPr lang="ko-KR" altLang="en-US" sz="1200" kern="0" dirty="0" err="1">
+                <a:latin typeface="맑은 고딕" panose="020B0503020000020004" pitchFamily="50" charset="-127"/>
+                <a:ea typeface="맑은 고딕" panose="020B0503020000020004" pitchFamily="50" charset="-127"/>
+              </a:rPr>
+              <a:t>과일차</a:t>
+            </a:r>
+            <a:endParaRPr lang="ko-KR" altLang="en-US" sz="1200" dirty="0"/>
+          </a:p>
+        </p:txBody>
+      </p:sp>
+      <p:sp>
+        <p:nvSpPr>
+          <p:cNvPr id="31" name="TextBox 30">
+            <a:extLst>
+              <a:ext uri="{FF2B5EF4-FFF2-40B4-BE49-F238E27FC236}">
+                <a16:creationId xmlns:a16="http://schemas.microsoft.com/office/drawing/2014/main" id="{ECCD545A-5368-4785-9390-792737160B4C}"/>
+              </a:ext>
+            </a:extLst>
+          </p:cNvPr>
+          <p:cNvSpPr txBox="1"/>
+          <p:nvPr/>
+        </p:nvSpPr>
+        <p:spPr>
+          <a:xfrm>
+            <a:off x="2622342" y="3732389"/>
+            <a:ext cx="685688" cy="276999"/>
+          </a:xfrm>
+          <a:prstGeom prst="rect">
+            <a:avLst/>
+          </a:prstGeom>
+          <a:noFill/>
+        </p:spPr>
+        <p:txBody>
+          <a:bodyPr wrap="square">
+            <a:spAutoFit/>
+          </a:bodyPr>
+          <a:lstStyle/>
+          <a:p>
+            <a:pPr algn="ctr"/>
+            <a:r>
+              <a:rPr lang="ko-KR" altLang="en-US" sz="1200" kern="0" dirty="0">
+                <a:latin typeface="맑은 고딕" panose="020B0503020000020004" pitchFamily="50" charset="-127"/>
+                <a:ea typeface="맑은 고딕" panose="020B0503020000020004" pitchFamily="50" charset="-127"/>
+              </a:rPr>
+              <a:t>우유</a:t>
+            </a:r>
+            <a:endParaRPr lang="ko-KR" altLang="en-US" sz="1200" dirty="0"/>
+          </a:p>
+        </p:txBody>
+      </p:sp>
+      <p:sp>
+        <p:nvSpPr>
+          <p:cNvPr id="32" name="TextBox 31">
+            <a:extLst>
+              <a:ext uri="{FF2B5EF4-FFF2-40B4-BE49-F238E27FC236}">
+                <a16:creationId xmlns:a16="http://schemas.microsoft.com/office/drawing/2014/main" id="{28562854-0D5B-4DD6-9E6F-8B173EFA77DA}"/>
+              </a:ext>
+            </a:extLst>
+          </p:cNvPr>
+          <p:cNvSpPr txBox="1"/>
+          <p:nvPr/>
+        </p:nvSpPr>
+        <p:spPr>
+          <a:xfrm>
+            <a:off x="1420643" y="4072274"/>
+            <a:ext cx="685688" cy="276999"/>
+          </a:xfrm>
+          <a:prstGeom prst="rect">
+            <a:avLst/>
+          </a:prstGeom>
+          <a:noFill/>
+        </p:spPr>
+        <p:txBody>
+          <a:bodyPr wrap="square">
+            <a:spAutoFit/>
+          </a:bodyPr>
+          <a:lstStyle/>
+          <a:p>
+            <a:pPr algn="ctr"/>
+            <a:r>
+              <a:rPr lang="ko-KR" altLang="en-US" sz="1200" kern="0" dirty="0">
+                <a:latin typeface="맑은 고딕" panose="020B0503020000020004" pitchFamily="50" charset="-127"/>
+                <a:ea typeface="맑은 고딕" panose="020B0503020000020004" pitchFamily="50" charset="-127"/>
+              </a:rPr>
+              <a:t>홍콩</a:t>
+            </a:r>
+            <a:endParaRPr lang="ko-KR" altLang="en-US" sz="1200" dirty="0"/>
+          </a:p>
+        </p:txBody>
+      </p:sp>
+      <p:sp>
+        <p:nvSpPr>
+          <p:cNvPr id="35" name="TextBox 34">
+            <a:extLst>
+              <a:ext uri="{FF2B5EF4-FFF2-40B4-BE49-F238E27FC236}">
+                <a16:creationId xmlns:a16="http://schemas.microsoft.com/office/drawing/2014/main" id="{45B90FD4-A822-4B3D-99D6-4B9E2BBA4B5A}"/>
+              </a:ext>
+            </a:extLst>
+          </p:cNvPr>
+          <p:cNvSpPr txBox="1"/>
+          <p:nvPr/>
+        </p:nvSpPr>
+        <p:spPr>
+          <a:xfrm>
+            <a:off x="2089426" y="4097790"/>
+            <a:ext cx="685688" cy="276999"/>
+          </a:xfrm>
+          <a:prstGeom prst="rect">
+            <a:avLst/>
+          </a:prstGeom>
+          <a:noFill/>
+        </p:spPr>
+        <p:txBody>
+          <a:bodyPr wrap="square">
+            <a:spAutoFit/>
+          </a:bodyPr>
+          <a:lstStyle/>
+          <a:p>
+            <a:pPr algn="ctr"/>
+            <a:r>
+              <a:rPr lang="ko-KR" altLang="en-US" sz="1200" kern="0" dirty="0" err="1">
+                <a:latin typeface="맑은 고딕" panose="020B0503020000020004" pitchFamily="50" charset="-127"/>
+                <a:ea typeface="맑은 고딕" panose="020B0503020000020004" pitchFamily="50" charset="-127"/>
+              </a:rPr>
+              <a:t>버블티</a:t>
+            </a:r>
+            <a:endParaRPr lang="ko-KR" altLang="en-US" sz="1200" dirty="0"/>
+          </a:p>
+        </p:txBody>
+      </p:sp>
+      <p:sp>
+        <p:nvSpPr>
+          <p:cNvPr id="36" name="TextBox 35">
+            <a:extLst>
+              <a:ext uri="{FF2B5EF4-FFF2-40B4-BE49-F238E27FC236}">
+                <a16:creationId xmlns:a16="http://schemas.microsoft.com/office/drawing/2014/main" id="{8952CD01-5C52-4EAF-B3E2-6608AAACA612}"/>
+              </a:ext>
+            </a:extLst>
+          </p:cNvPr>
+          <p:cNvSpPr txBox="1"/>
+          <p:nvPr/>
+        </p:nvSpPr>
+        <p:spPr>
+          <a:xfrm>
+            <a:off x="2744952" y="4150263"/>
+            <a:ext cx="685688" cy="276999"/>
+          </a:xfrm>
+          <a:prstGeom prst="rect">
+            <a:avLst/>
+          </a:prstGeom>
+          <a:noFill/>
+        </p:spPr>
+        <p:txBody>
+          <a:bodyPr wrap="square">
+            <a:spAutoFit/>
+          </a:bodyPr>
+          <a:lstStyle/>
+          <a:p>
+            <a:pPr algn="ctr"/>
+            <a:r>
+              <a:rPr lang="ko-KR" altLang="en-US" sz="1200" dirty="0" err="1"/>
+              <a:t>치즈폼</a:t>
+            </a:r>
+            <a:endParaRPr lang="ko-KR" altLang="en-US" sz="1200" dirty="0"/>
+          </a:p>
+        </p:txBody>
+      </p:sp>
+      <p:sp>
+        <p:nvSpPr>
+          <p:cNvPr id="37" name="TextBox 36">
+            <a:extLst>
+              <a:ext uri="{FF2B5EF4-FFF2-40B4-BE49-F238E27FC236}">
+                <a16:creationId xmlns:a16="http://schemas.microsoft.com/office/drawing/2014/main" id="{775B6365-CB1B-461A-8BE4-0276778B4EE7}"/>
+              </a:ext>
+            </a:extLst>
+          </p:cNvPr>
+          <p:cNvSpPr txBox="1"/>
+          <p:nvPr/>
+        </p:nvSpPr>
+        <p:spPr>
+          <a:xfrm>
+            <a:off x="1569431" y="4555618"/>
+            <a:ext cx="685688" cy="276999"/>
+          </a:xfrm>
+          <a:prstGeom prst="rect">
+            <a:avLst/>
+          </a:prstGeom>
+          <a:noFill/>
+        </p:spPr>
+        <p:txBody>
+          <a:bodyPr wrap="square">
+            <a:spAutoFit/>
+          </a:bodyPr>
+          <a:lstStyle/>
+          <a:p>
+            <a:pPr algn="ctr"/>
+            <a:r>
+              <a:rPr lang="ko-KR" altLang="en-US" sz="1200" kern="0" dirty="0">
+                <a:latin typeface="맑은 고딕" panose="020B0503020000020004" pitchFamily="50" charset="-127"/>
+                <a:ea typeface="맑은 고딕" panose="020B0503020000020004" pitchFamily="50" charset="-127"/>
+              </a:rPr>
+              <a:t>주스</a:t>
+            </a:r>
+            <a:endParaRPr lang="ko-KR" altLang="en-US" sz="1200" dirty="0"/>
+          </a:p>
+        </p:txBody>
+      </p:sp>
+      <p:sp>
+        <p:nvSpPr>
+          <p:cNvPr id="38" name="TextBox 37">
+            <a:extLst>
+              <a:ext uri="{FF2B5EF4-FFF2-40B4-BE49-F238E27FC236}">
+                <a16:creationId xmlns:a16="http://schemas.microsoft.com/office/drawing/2014/main" id="{8BE2193E-2A04-4D35-878A-A4318D3C1889}"/>
+              </a:ext>
+            </a:extLst>
+          </p:cNvPr>
+          <p:cNvSpPr txBox="1"/>
+          <p:nvPr/>
+        </p:nvSpPr>
+        <p:spPr>
+          <a:xfrm>
+            <a:off x="2106331" y="4501542"/>
+            <a:ext cx="685688" cy="276999"/>
+          </a:xfrm>
+          <a:prstGeom prst="rect">
+            <a:avLst/>
+          </a:prstGeom>
+          <a:noFill/>
+        </p:spPr>
+        <p:txBody>
+          <a:bodyPr wrap="square">
+            <a:spAutoFit/>
+          </a:bodyPr>
+          <a:lstStyle/>
+          <a:p>
+            <a:pPr algn="ctr"/>
+            <a:r>
+              <a:rPr lang="ko-KR" altLang="en-US" sz="1200" kern="0" dirty="0">
+                <a:latin typeface="맑은 고딕" panose="020B0503020000020004" pitchFamily="50" charset="-127"/>
+                <a:ea typeface="맑은 고딕" panose="020B0503020000020004" pitchFamily="50" charset="-127"/>
+              </a:rPr>
+              <a:t>코코넛</a:t>
+            </a:r>
+            <a:endParaRPr lang="ko-KR" altLang="en-US" sz="1200" dirty="0"/>
+          </a:p>
+        </p:txBody>
+      </p:sp>
+      <p:sp>
+        <p:nvSpPr>
+          <p:cNvPr id="39" name="TextBox 38">
+            <a:extLst>
+              <a:ext uri="{FF2B5EF4-FFF2-40B4-BE49-F238E27FC236}">
+                <a16:creationId xmlns:a16="http://schemas.microsoft.com/office/drawing/2014/main" id="{DD59C9A7-936E-45BE-9C12-81E5AB14A642}"/>
+              </a:ext>
+            </a:extLst>
+          </p:cNvPr>
+          <p:cNvSpPr txBox="1"/>
+          <p:nvPr/>
+        </p:nvSpPr>
+        <p:spPr>
+          <a:xfrm>
+            <a:off x="2692593" y="4583606"/>
+            <a:ext cx="685688" cy="276999"/>
+          </a:xfrm>
+          <a:prstGeom prst="rect">
+            <a:avLst/>
+          </a:prstGeom>
+          <a:noFill/>
+        </p:spPr>
+        <p:txBody>
+          <a:bodyPr wrap="square">
+            <a:spAutoFit/>
+          </a:bodyPr>
+          <a:lstStyle/>
+          <a:p>
+            <a:pPr algn="ctr"/>
+            <a:r>
+              <a:rPr lang="ko-KR" altLang="en-US" sz="1200" kern="0" dirty="0" err="1">
+                <a:latin typeface="맑은 고딕" panose="020B0503020000020004" pitchFamily="50" charset="-127"/>
+                <a:ea typeface="맑은 고딕" panose="020B0503020000020004" pitchFamily="50" charset="-127"/>
+              </a:rPr>
+              <a:t>논커피</a:t>
+            </a:r>
+            <a:endParaRPr lang="ko-KR" altLang="en-US" sz="1200" dirty="0"/>
+          </a:p>
+        </p:txBody>
+      </p:sp>
+      <p:sp>
+        <p:nvSpPr>
+          <p:cNvPr id="40" name="TextBox 39">
+            <a:extLst>
+              <a:ext uri="{FF2B5EF4-FFF2-40B4-BE49-F238E27FC236}">
+                <a16:creationId xmlns:a16="http://schemas.microsoft.com/office/drawing/2014/main" id="{8EF4BA2E-341C-4E55-A2E0-20C8B9E5144F}"/>
+              </a:ext>
+            </a:extLst>
+          </p:cNvPr>
+          <p:cNvSpPr txBox="1"/>
+          <p:nvPr/>
+        </p:nvSpPr>
+        <p:spPr>
+          <a:xfrm>
+            <a:off x="3324332" y="4600784"/>
+            <a:ext cx="685688" cy="276999"/>
+          </a:xfrm>
+          <a:prstGeom prst="rect">
+            <a:avLst/>
+          </a:prstGeom>
+          <a:noFill/>
+        </p:spPr>
+        <p:txBody>
+          <a:bodyPr wrap="square">
+            <a:spAutoFit/>
+          </a:bodyPr>
+          <a:lstStyle/>
+          <a:p>
+            <a:pPr algn="ctr"/>
+            <a:r>
+              <a:rPr lang="ko-KR" altLang="en-US" sz="1200" kern="0" dirty="0">
+                <a:latin typeface="맑은 고딕" panose="020B0503020000020004" pitchFamily="50" charset="-127"/>
+                <a:ea typeface="맑은 고딕" panose="020B0503020000020004" pitchFamily="50" charset="-127"/>
+              </a:rPr>
+              <a:t>여성</a:t>
+            </a:r>
+            <a:endParaRPr lang="ko-KR" altLang="en-US" sz="1200" dirty="0"/>
+          </a:p>
+        </p:txBody>
+      </p:sp>
+      <p:sp>
+        <p:nvSpPr>
+          <p:cNvPr id="41" name="TextBox 40">
+            <a:extLst>
+              <a:ext uri="{FF2B5EF4-FFF2-40B4-BE49-F238E27FC236}">
+                <a16:creationId xmlns:a16="http://schemas.microsoft.com/office/drawing/2014/main" id="{840506A3-B619-460B-94AC-13C195EF2CFF}"/>
+              </a:ext>
+            </a:extLst>
+          </p:cNvPr>
+          <p:cNvSpPr txBox="1"/>
+          <p:nvPr/>
+        </p:nvSpPr>
+        <p:spPr>
+          <a:xfrm>
+            <a:off x="1272841" y="2952784"/>
+            <a:ext cx="685688" cy="276999"/>
+          </a:xfrm>
+          <a:prstGeom prst="rect">
+            <a:avLst/>
+          </a:prstGeom>
+          <a:noFill/>
+        </p:spPr>
+        <p:txBody>
+          <a:bodyPr wrap="square">
+            <a:spAutoFit/>
+          </a:bodyPr>
+          <a:lstStyle/>
+          <a:p>
+            <a:pPr algn="ctr"/>
+            <a:r>
+              <a:rPr lang="ko-KR" altLang="en-US" sz="1200" kern="0" dirty="0" err="1">
+                <a:latin typeface="맑은 고딕" panose="020B0503020000020004" pitchFamily="50" charset="-127"/>
+                <a:ea typeface="맑은 고딕" panose="020B0503020000020004" pitchFamily="50" charset="-127"/>
+              </a:rPr>
+              <a:t>스무디</a:t>
+            </a:r>
+            <a:endParaRPr lang="ko-KR" altLang="en-US" sz="1200" dirty="0"/>
+          </a:p>
+        </p:txBody>
+      </p:sp>
+      <p:sp>
+        <p:nvSpPr>
+          <p:cNvPr id="42" name="TextBox 41">
+            <a:extLst>
+              <a:ext uri="{FF2B5EF4-FFF2-40B4-BE49-F238E27FC236}">
+                <a16:creationId xmlns:a16="http://schemas.microsoft.com/office/drawing/2014/main" id="{129A99DC-6392-4291-B677-AB1682EE9A67}"/>
+              </a:ext>
+            </a:extLst>
+          </p:cNvPr>
+          <p:cNvSpPr txBox="1"/>
+          <p:nvPr/>
+        </p:nvSpPr>
+        <p:spPr>
+          <a:xfrm>
+            <a:off x="3539004" y="3256695"/>
+            <a:ext cx="835927" cy="276999"/>
+          </a:xfrm>
+          <a:prstGeom prst="rect">
+            <a:avLst/>
+          </a:prstGeom>
+          <a:noFill/>
+        </p:spPr>
+        <p:txBody>
+          <a:bodyPr wrap="square">
+            <a:spAutoFit/>
+          </a:bodyPr>
+          <a:lstStyle/>
+          <a:p>
+            <a:pPr algn="ctr"/>
+            <a:r>
+              <a:rPr lang="ko-KR" altLang="en-US" sz="1200" kern="0" dirty="0">
+                <a:latin typeface="맑은 고딕" panose="020B0503020000020004" pitchFamily="50" charset="-127"/>
+                <a:ea typeface="맑은 고딕" panose="020B0503020000020004" pitchFamily="50" charset="-127"/>
+              </a:rPr>
+              <a:t>시원하다</a:t>
+            </a:r>
+            <a:endParaRPr lang="ko-KR" altLang="en-US" sz="1200" dirty="0"/>
+          </a:p>
+        </p:txBody>
+      </p:sp>
+      <p:sp>
+        <p:nvSpPr>
+          <p:cNvPr id="43" name="TextBox 42">
+            <a:extLst>
+              <a:ext uri="{FF2B5EF4-FFF2-40B4-BE49-F238E27FC236}">
+                <a16:creationId xmlns:a16="http://schemas.microsoft.com/office/drawing/2014/main" id="{AD7DA0B8-BE38-4835-B6B0-53EA8914944A}"/>
+              </a:ext>
+            </a:extLst>
+          </p:cNvPr>
+          <p:cNvSpPr txBox="1"/>
+          <p:nvPr/>
+        </p:nvSpPr>
+        <p:spPr>
+          <a:xfrm>
+            <a:off x="1288247" y="3744242"/>
+            <a:ext cx="801179" cy="276999"/>
+          </a:xfrm>
+          <a:prstGeom prst="rect">
+            <a:avLst/>
+          </a:prstGeom>
+          <a:noFill/>
+        </p:spPr>
+        <p:txBody>
+          <a:bodyPr wrap="square">
+            <a:spAutoFit/>
+          </a:bodyPr>
+          <a:lstStyle/>
+          <a:p>
+            <a:pPr algn="ctr"/>
+            <a:r>
+              <a:rPr lang="ko-KR" altLang="en-US" sz="1200" kern="0" dirty="0" err="1">
+                <a:latin typeface="맑은 고딕" panose="020B0503020000020004" pitchFamily="50" charset="-127"/>
+                <a:ea typeface="맑은 고딕" panose="020B0503020000020004" pitchFamily="50" charset="-127"/>
+              </a:rPr>
+              <a:t>얼그레이</a:t>
+            </a:r>
+            <a:endParaRPr lang="ko-KR" altLang="en-US" sz="1200" dirty="0"/>
+          </a:p>
+        </p:txBody>
+      </p:sp>
+      <p:sp>
+        <p:nvSpPr>
+          <p:cNvPr id="44" name="TextBox 43">
+            <a:extLst>
+              <a:ext uri="{FF2B5EF4-FFF2-40B4-BE49-F238E27FC236}">
+                <a16:creationId xmlns:a16="http://schemas.microsoft.com/office/drawing/2014/main" id="{591195B6-5B9C-4E48-B86D-B75B5CE80F71}"/>
+              </a:ext>
+            </a:extLst>
+          </p:cNvPr>
+          <p:cNvSpPr txBox="1"/>
+          <p:nvPr/>
+        </p:nvSpPr>
+        <p:spPr>
+          <a:xfrm>
+            <a:off x="2000123" y="3717111"/>
+            <a:ext cx="685688" cy="276999"/>
+          </a:xfrm>
+          <a:prstGeom prst="rect">
+            <a:avLst/>
+          </a:prstGeom>
+          <a:noFill/>
+        </p:spPr>
+        <p:txBody>
+          <a:bodyPr wrap="square">
+            <a:spAutoFit/>
+          </a:bodyPr>
+          <a:lstStyle/>
+          <a:p>
+            <a:pPr algn="ctr"/>
+            <a:r>
+              <a:rPr lang="ko-KR" altLang="en-US" sz="1200" dirty="0" err="1"/>
+              <a:t>우롱티</a:t>
+            </a:r>
+            <a:endParaRPr lang="ko-KR" altLang="en-US" sz="1200" dirty="0"/>
+          </a:p>
+        </p:txBody>
+      </p:sp>
+      <p:sp>
+        <p:nvSpPr>
+          <p:cNvPr id="45" name="TextBox 44">
+            <a:extLst>
+              <a:ext uri="{FF2B5EF4-FFF2-40B4-BE49-F238E27FC236}">
+                <a16:creationId xmlns:a16="http://schemas.microsoft.com/office/drawing/2014/main" id="{83BABF9E-5650-4A2B-8B53-E1A2A6799D4D}"/>
+              </a:ext>
+            </a:extLst>
+          </p:cNvPr>
+          <p:cNvSpPr txBox="1"/>
+          <p:nvPr/>
+        </p:nvSpPr>
+        <p:spPr>
+          <a:xfrm>
+            <a:off x="3369142" y="5006350"/>
+            <a:ext cx="1021243" cy="276999"/>
+          </a:xfrm>
+          <a:prstGeom prst="rect">
+            <a:avLst/>
+          </a:prstGeom>
+          <a:noFill/>
+        </p:spPr>
+        <p:txBody>
+          <a:bodyPr wrap="square">
+            <a:spAutoFit/>
+          </a:bodyPr>
+          <a:lstStyle/>
+          <a:p>
+            <a:pPr algn="ctr"/>
+            <a:r>
+              <a:rPr lang="ko-KR" altLang="en-US" sz="1200" kern="0" dirty="0">
+                <a:latin typeface="맑은 고딕" panose="020B0503020000020004" pitchFamily="50" charset="-127"/>
+                <a:ea typeface="맑은 고딕" panose="020B0503020000020004" pitchFamily="50" charset="-127"/>
+              </a:rPr>
+              <a:t>여름</a:t>
+            </a:r>
+            <a:endParaRPr lang="ko-KR" altLang="en-US" sz="1200" dirty="0"/>
+          </a:p>
+        </p:txBody>
+      </p:sp>
+      <p:sp>
+        <p:nvSpPr>
+          <p:cNvPr id="46" name="TextBox 45">
+            <a:extLst>
+              <a:ext uri="{FF2B5EF4-FFF2-40B4-BE49-F238E27FC236}">
+                <a16:creationId xmlns:a16="http://schemas.microsoft.com/office/drawing/2014/main" id="{112D0E15-4940-4FDC-A1AB-D9DDE382026B}"/>
+              </a:ext>
+            </a:extLst>
+          </p:cNvPr>
+          <p:cNvSpPr txBox="1"/>
+          <p:nvPr/>
+        </p:nvSpPr>
+        <p:spPr>
+          <a:xfrm>
+            <a:off x="6925803" y="1971943"/>
+            <a:ext cx="685688" cy="276999"/>
+          </a:xfrm>
+          <a:prstGeom prst="rect">
+            <a:avLst/>
+          </a:prstGeom>
+          <a:noFill/>
+        </p:spPr>
+        <p:txBody>
+          <a:bodyPr wrap="square">
+            <a:spAutoFit/>
+          </a:bodyPr>
+          <a:lstStyle/>
+          <a:p>
+            <a:pPr algn="ctr"/>
+            <a:r>
+              <a:rPr lang="ko-KR" altLang="en-US" sz="1200" dirty="0" err="1"/>
+              <a:t>밀크티</a:t>
+            </a:r>
+            <a:endParaRPr lang="ko-KR" altLang="en-US" sz="1200" dirty="0"/>
+          </a:p>
+        </p:txBody>
+      </p:sp>
+      <p:sp>
+        <p:nvSpPr>
+          <p:cNvPr id="47" name="TextBox 46">
+            <a:extLst>
+              <a:ext uri="{FF2B5EF4-FFF2-40B4-BE49-F238E27FC236}">
+                <a16:creationId xmlns:a16="http://schemas.microsoft.com/office/drawing/2014/main" id="{7E6AB531-667C-4770-853E-6E0F81A71A48}"/>
+              </a:ext>
+            </a:extLst>
+          </p:cNvPr>
+          <p:cNvSpPr txBox="1"/>
+          <p:nvPr/>
+        </p:nvSpPr>
+        <p:spPr>
+          <a:xfrm>
+            <a:off x="8143100" y="2767172"/>
+            <a:ext cx="1082872" cy="276999"/>
+          </a:xfrm>
+          <a:prstGeom prst="rect">
+            <a:avLst/>
+          </a:prstGeom>
+          <a:noFill/>
+        </p:spPr>
+        <p:txBody>
+          <a:bodyPr wrap="square">
+            <a:spAutoFit/>
+          </a:bodyPr>
+          <a:lstStyle/>
+          <a:p>
+            <a:pPr algn="ctr"/>
+            <a:r>
+              <a:rPr lang="ko-KR" altLang="en-US" sz="1200" kern="0" dirty="0" err="1">
+                <a:latin typeface="맑은 고딕" panose="020B0503020000020004" pitchFamily="50" charset="-127"/>
+                <a:ea typeface="맑은 고딕" panose="020B0503020000020004" pitchFamily="50" charset="-127"/>
+              </a:rPr>
+              <a:t>타피오카</a:t>
+            </a:r>
+            <a:r>
+              <a:rPr lang="ko-KR" altLang="en-US" sz="1200" kern="0" dirty="0">
+                <a:latin typeface="맑은 고딕" panose="020B0503020000020004" pitchFamily="50" charset="-127"/>
+                <a:ea typeface="맑은 고딕" panose="020B0503020000020004" pitchFamily="50" charset="-127"/>
+              </a:rPr>
+              <a:t> 펄</a:t>
+            </a:r>
+            <a:endParaRPr lang="ko-KR" altLang="en-US" sz="1200" dirty="0"/>
+          </a:p>
+        </p:txBody>
+      </p:sp>
+      <p:sp>
+        <p:nvSpPr>
+          <p:cNvPr id="48" name="TextBox 47">
+            <a:extLst>
+              <a:ext uri="{FF2B5EF4-FFF2-40B4-BE49-F238E27FC236}">
+                <a16:creationId xmlns:a16="http://schemas.microsoft.com/office/drawing/2014/main" id="{EEAAFC1E-AA1F-4C33-9B9B-5A1E6137C4EE}"/>
+              </a:ext>
+            </a:extLst>
+          </p:cNvPr>
+          <p:cNvSpPr txBox="1"/>
+          <p:nvPr/>
+        </p:nvSpPr>
+        <p:spPr>
+          <a:xfrm>
+            <a:off x="7457412" y="2330796"/>
+            <a:ext cx="685688" cy="276999"/>
+          </a:xfrm>
+          <a:prstGeom prst="rect">
+            <a:avLst/>
+          </a:prstGeom>
+          <a:noFill/>
+        </p:spPr>
+        <p:txBody>
+          <a:bodyPr wrap="square">
+            <a:spAutoFit/>
+          </a:bodyPr>
+          <a:lstStyle/>
+          <a:p>
+            <a:pPr algn="ctr"/>
+            <a:r>
+              <a:rPr lang="ko-KR" altLang="en-US" sz="1200" kern="0" dirty="0">
+                <a:latin typeface="맑은 고딕" panose="020B0503020000020004" pitchFamily="50" charset="-127"/>
+                <a:ea typeface="맑은 고딕" panose="020B0503020000020004" pitchFamily="50" charset="-127"/>
+              </a:rPr>
+              <a:t>달다</a:t>
+            </a:r>
+            <a:endParaRPr lang="ko-KR" altLang="en-US" sz="1200" dirty="0"/>
+          </a:p>
+        </p:txBody>
+      </p:sp>
+      <p:sp>
+        <p:nvSpPr>
+          <p:cNvPr id="49" name="TextBox 48">
+            <a:extLst>
+              <a:ext uri="{FF2B5EF4-FFF2-40B4-BE49-F238E27FC236}">
+                <a16:creationId xmlns:a16="http://schemas.microsoft.com/office/drawing/2014/main" id="{C6B0FF8B-A7CD-4BB5-9474-64C63190E378}"/>
+              </a:ext>
+            </a:extLst>
+          </p:cNvPr>
+          <p:cNvSpPr txBox="1"/>
+          <p:nvPr/>
+        </p:nvSpPr>
+        <p:spPr>
+          <a:xfrm>
+            <a:off x="9350263" y="3260957"/>
+            <a:ext cx="685688" cy="276999"/>
+          </a:xfrm>
+          <a:prstGeom prst="rect">
+            <a:avLst/>
+          </a:prstGeom>
+          <a:noFill/>
+        </p:spPr>
+        <p:txBody>
+          <a:bodyPr wrap="square">
+            <a:spAutoFit/>
+          </a:bodyPr>
+          <a:lstStyle/>
+          <a:p>
+            <a:pPr algn="ctr"/>
+            <a:r>
+              <a:rPr lang="ko-KR" altLang="en-US" sz="1200" dirty="0" err="1"/>
+              <a:t>잎차</a:t>
+            </a:r>
+            <a:endParaRPr lang="ko-KR" altLang="en-US" sz="1200" dirty="0"/>
+          </a:p>
+        </p:txBody>
+      </p:sp>
+      <p:sp>
+        <p:nvSpPr>
+          <p:cNvPr id="50" name="TextBox 49">
+            <a:extLst>
+              <a:ext uri="{FF2B5EF4-FFF2-40B4-BE49-F238E27FC236}">
+                <a16:creationId xmlns:a16="http://schemas.microsoft.com/office/drawing/2014/main" id="{6E9D7B2A-1A5A-4271-9540-F4F94E30BC47}"/>
+              </a:ext>
+            </a:extLst>
+          </p:cNvPr>
+          <p:cNvSpPr txBox="1"/>
+          <p:nvPr/>
+        </p:nvSpPr>
+        <p:spPr>
+          <a:xfrm>
+            <a:off x="8555770" y="2539597"/>
+            <a:ext cx="906809" cy="276999"/>
+          </a:xfrm>
+          <a:prstGeom prst="rect">
+            <a:avLst/>
+          </a:prstGeom>
+          <a:noFill/>
+        </p:spPr>
+        <p:txBody>
+          <a:bodyPr wrap="square">
+            <a:spAutoFit/>
+          </a:bodyPr>
+          <a:lstStyle/>
+          <a:p>
+            <a:pPr algn="ctr"/>
+            <a:r>
+              <a:rPr lang="ko-KR" altLang="en-US" sz="1200" kern="0" dirty="0" err="1">
+                <a:latin typeface="맑은 고딕" panose="020B0503020000020004" pitchFamily="50" charset="-127"/>
+                <a:ea typeface="맑은 고딕" panose="020B0503020000020004" pitchFamily="50" charset="-127"/>
+              </a:rPr>
+              <a:t>화이트펄</a:t>
+            </a:r>
+            <a:endParaRPr lang="ko-KR" altLang="en-US" sz="1200" dirty="0"/>
+          </a:p>
+        </p:txBody>
+      </p:sp>
+      <p:sp>
+        <p:nvSpPr>
+          <p:cNvPr id="51" name="TextBox 50">
+            <a:extLst>
+              <a:ext uri="{FF2B5EF4-FFF2-40B4-BE49-F238E27FC236}">
+                <a16:creationId xmlns:a16="http://schemas.microsoft.com/office/drawing/2014/main" id="{EE7C5156-5144-4172-BD2B-056D6BFC9423}"/>
+              </a:ext>
+            </a:extLst>
+          </p:cNvPr>
+          <p:cNvSpPr txBox="1"/>
+          <p:nvPr/>
+        </p:nvSpPr>
+        <p:spPr>
+          <a:xfrm>
+            <a:off x="7523643" y="3645205"/>
+            <a:ext cx="685688" cy="276999"/>
+          </a:xfrm>
+          <a:prstGeom prst="rect">
+            <a:avLst/>
+          </a:prstGeom>
+          <a:noFill/>
+        </p:spPr>
+        <p:txBody>
+          <a:bodyPr wrap="square">
+            <a:spAutoFit/>
+          </a:bodyPr>
+          <a:lstStyle/>
+          <a:p>
+            <a:pPr algn="ctr"/>
+            <a:r>
+              <a:rPr lang="ko-KR" altLang="en-US" sz="1200" kern="0" dirty="0">
+                <a:latin typeface="맑은 고딕" panose="020B0503020000020004" pitchFamily="50" charset="-127"/>
+                <a:ea typeface="맑은 고딕" panose="020B0503020000020004" pitchFamily="50" charset="-127"/>
+              </a:rPr>
+              <a:t>대만</a:t>
+            </a:r>
+            <a:endParaRPr lang="ko-KR" altLang="en-US" sz="1200" dirty="0"/>
+          </a:p>
+        </p:txBody>
+      </p:sp>
+      <p:sp>
+        <p:nvSpPr>
+          <p:cNvPr id="52" name="TextBox 51">
+            <a:extLst>
+              <a:ext uri="{FF2B5EF4-FFF2-40B4-BE49-F238E27FC236}">
+                <a16:creationId xmlns:a16="http://schemas.microsoft.com/office/drawing/2014/main" id="{5381EB9A-99CF-4639-9AE1-DA8D2EED1438}"/>
+              </a:ext>
+            </a:extLst>
+          </p:cNvPr>
+          <p:cNvSpPr txBox="1"/>
+          <p:nvPr/>
+        </p:nvSpPr>
+        <p:spPr>
+          <a:xfrm>
+            <a:off x="7227053" y="2672010"/>
+            <a:ext cx="685688" cy="276999"/>
+          </a:xfrm>
+          <a:prstGeom prst="rect">
+            <a:avLst/>
+          </a:prstGeom>
+          <a:noFill/>
+        </p:spPr>
+        <p:txBody>
+          <a:bodyPr wrap="square">
+            <a:spAutoFit/>
+          </a:bodyPr>
+          <a:lstStyle/>
+          <a:p>
+            <a:pPr algn="ctr"/>
+            <a:r>
+              <a:rPr lang="ko-KR" altLang="en-US" sz="1200" kern="0" dirty="0">
+                <a:latin typeface="맑은 고딕" panose="020B0503020000020004" pitchFamily="50" charset="-127"/>
+                <a:ea typeface="맑은 고딕" panose="020B0503020000020004" pitchFamily="50" charset="-127"/>
+              </a:rPr>
+              <a:t>음료</a:t>
+            </a:r>
+            <a:endParaRPr lang="ko-KR" altLang="en-US" sz="1200" dirty="0"/>
+          </a:p>
+        </p:txBody>
+      </p:sp>
+      <p:sp>
+        <p:nvSpPr>
+          <p:cNvPr id="53" name="TextBox 52">
+            <a:extLst>
+              <a:ext uri="{FF2B5EF4-FFF2-40B4-BE49-F238E27FC236}">
+                <a16:creationId xmlns:a16="http://schemas.microsoft.com/office/drawing/2014/main" id="{303C3F47-4DAD-4119-BC3A-FF9CD6FC5913}"/>
+              </a:ext>
+            </a:extLst>
+          </p:cNvPr>
+          <p:cNvSpPr txBox="1"/>
+          <p:nvPr/>
+        </p:nvSpPr>
+        <p:spPr>
+          <a:xfrm>
+            <a:off x="5783743" y="3638986"/>
+            <a:ext cx="685688" cy="276999"/>
+          </a:xfrm>
+          <a:prstGeom prst="rect">
+            <a:avLst/>
+          </a:prstGeom>
+          <a:noFill/>
+        </p:spPr>
+        <p:txBody>
+          <a:bodyPr wrap="square">
+            <a:spAutoFit/>
+          </a:bodyPr>
+          <a:lstStyle/>
+          <a:p>
+            <a:pPr algn="ctr"/>
+            <a:r>
+              <a:rPr lang="ko-KR" altLang="en-US" sz="1200" kern="0" dirty="0">
+                <a:latin typeface="맑은 고딕" panose="020B0503020000020004" pitchFamily="50" charset="-127"/>
+                <a:ea typeface="맑은 고딕" panose="020B0503020000020004" pitchFamily="50" charset="-127"/>
+              </a:rPr>
+              <a:t>젊다</a:t>
+            </a:r>
+            <a:endParaRPr lang="ko-KR" altLang="en-US" sz="1200" dirty="0"/>
+          </a:p>
+        </p:txBody>
+      </p:sp>
+      <p:sp>
+        <p:nvSpPr>
+          <p:cNvPr id="54" name="TextBox 53">
+            <a:extLst>
+              <a:ext uri="{FF2B5EF4-FFF2-40B4-BE49-F238E27FC236}">
+                <a16:creationId xmlns:a16="http://schemas.microsoft.com/office/drawing/2014/main" id="{F5063D14-61D8-4B94-9B8D-3C16C525274E}"/>
+              </a:ext>
+            </a:extLst>
+          </p:cNvPr>
+          <p:cNvSpPr txBox="1"/>
+          <p:nvPr/>
+        </p:nvSpPr>
+        <p:spPr>
+          <a:xfrm>
+            <a:off x="8003143" y="1768637"/>
+            <a:ext cx="685688" cy="276999"/>
+          </a:xfrm>
+          <a:prstGeom prst="rect">
+            <a:avLst/>
+          </a:prstGeom>
+          <a:noFill/>
+        </p:spPr>
+        <p:txBody>
+          <a:bodyPr wrap="square">
+            <a:spAutoFit/>
+          </a:bodyPr>
+          <a:lstStyle/>
+          <a:p>
+            <a:pPr algn="ctr"/>
+            <a:r>
+              <a:rPr lang="ko-KR" altLang="en-US" sz="1200" kern="0" dirty="0" err="1">
+                <a:latin typeface="맑은 고딕" panose="020B0503020000020004" pitchFamily="50" charset="-127"/>
+                <a:ea typeface="맑은 고딕" panose="020B0503020000020004" pitchFamily="50" charset="-127"/>
+              </a:rPr>
+              <a:t>밀크폼</a:t>
+            </a:r>
+            <a:endParaRPr lang="ko-KR" altLang="en-US" sz="1200" dirty="0"/>
+          </a:p>
+        </p:txBody>
+      </p:sp>
+      <p:sp>
+        <p:nvSpPr>
+          <p:cNvPr id="55" name="TextBox 54">
+            <a:extLst>
+              <a:ext uri="{FF2B5EF4-FFF2-40B4-BE49-F238E27FC236}">
+                <a16:creationId xmlns:a16="http://schemas.microsoft.com/office/drawing/2014/main" id="{8F315A3D-05D2-422E-9D21-58E582CF9F58}"/>
+              </a:ext>
+            </a:extLst>
+          </p:cNvPr>
+          <p:cNvSpPr txBox="1"/>
+          <p:nvPr/>
+        </p:nvSpPr>
+        <p:spPr>
+          <a:xfrm>
+            <a:off x="6112520" y="3959362"/>
+            <a:ext cx="685688" cy="276999"/>
+          </a:xfrm>
+          <a:prstGeom prst="rect">
+            <a:avLst/>
+          </a:prstGeom>
+          <a:noFill/>
+        </p:spPr>
+        <p:txBody>
+          <a:bodyPr wrap="square">
+            <a:spAutoFit/>
+          </a:bodyPr>
+          <a:lstStyle/>
+          <a:p>
+            <a:pPr algn="ctr"/>
+            <a:r>
+              <a:rPr lang="ko-KR" altLang="en-US" sz="1200" kern="0" dirty="0">
+                <a:latin typeface="맑은 고딕" panose="020B0503020000020004" pitchFamily="50" charset="-127"/>
+                <a:ea typeface="맑은 고딕" panose="020B0503020000020004" pitchFamily="50" charset="-127"/>
+              </a:rPr>
+              <a:t>에이드</a:t>
+            </a:r>
+            <a:endParaRPr lang="ko-KR" altLang="en-US" sz="1200" dirty="0"/>
+          </a:p>
+        </p:txBody>
+      </p:sp>
+      <p:sp>
+        <p:nvSpPr>
+          <p:cNvPr id="56" name="TextBox 55">
+            <a:extLst>
+              <a:ext uri="{FF2B5EF4-FFF2-40B4-BE49-F238E27FC236}">
+                <a16:creationId xmlns:a16="http://schemas.microsoft.com/office/drawing/2014/main" id="{87AA57AE-D01F-4BA6-827F-770AF9A3E863}"/>
+              </a:ext>
+            </a:extLst>
+          </p:cNvPr>
+          <p:cNvSpPr txBox="1"/>
+          <p:nvPr/>
+        </p:nvSpPr>
+        <p:spPr>
+          <a:xfrm>
+            <a:off x="5992470" y="2494859"/>
+            <a:ext cx="1218341" cy="276999"/>
+          </a:xfrm>
+          <a:prstGeom prst="rect">
+            <a:avLst/>
+          </a:prstGeom>
+          <a:noFill/>
+        </p:spPr>
+        <p:txBody>
+          <a:bodyPr wrap="square">
+            <a:spAutoFit/>
+          </a:bodyPr>
+          <a:lstStyle/>
+          <a:p>
+            <a:pPr algn="ctr"/>
+            <a:r>
+              <a:rPr lang="ko-KR" altLang="en-US" sz="1200" kern="0" dirty="0">
+                <a:latin typeface="맑은 고딕" panose="020B0503020000020004" pitchFamily="50" charset="-127"/>
+                <a:ea typeface="맑은 고딕" panose="020B0503020000020004" pitchFamily="50" charset="-127"/>
+              </a:rPr>
+              <a:t>커스터마이징</a:t>
+            </a:r>
+            <a:endParaRPr lang="ko-KR" altLang="en-US" sz="1200" dirty="0"/>
+          </a:p>
+        </p:txBody>
+      </p:sp>
+      <p:sp>
+        <p:nvSpPr>
+          <p:cNvPr id="57" name="TextBox 56">
+            <a:extLst>
+              <a:ext uri="{FF2B5EF4-FFF2-40B4-BE49-F238E27FC236}">
+                <a16:creationId xmlns:a16="http://schemas.microsoft.com/office/drawing/2014/main" id="{9E8444C4-3B54-4484-9B83-E33996D7BB74}"/>
+              </a:ext>
+            </a:extLst>
+          </p:cNvPr>
+          <p:cNvSpPr txBox="1"/>
+          <p:nvPr/>
+        </p:nvSpPr>
+        <p:spPr>
+          <a:xfrm>
+            <a:off x="8628439" y="4184335"/>
+            <a:ext cx="1021243" cy="276999"/>
+          </a:xfrm>
+          <a:prstGeom prst="rect">
+            <a:avLst/>
+          </a:prstGeom>
+          <a:noFill/>
+        </p:spPr>
+        <p:txBody>
+          <a:bodyPr wrap="square">
+            <a:spAutoFit/>
+          </a:bodyPr>
+          <a:lstStyle/>
+          <a:p>
+            <a:pPr algn="ctr"/>
+            <a:r>
+              <a:rPr lang="ko-KR" altLang="en-US" sz="1200" kern="0" dirty="0" err="1">
+                <a:latin typeface="맑은 고딕" panose="020B0503020000020004" pitchFamily="50" charset="-127"/>
+                <a:ea typeface="맑은 고딕" panose="020B0503020000020004" pitchFamily="50" charset="-127"/>
+              </a:rPr>
+              <a:t>브라운슈가</a:t>
+            </a:r>
+            <a:endParaRPr lang="ko-KR" altLang="en-US" sz="1200" dirty="0"/>
+          </a:p>
+        </p:txBody>
+      </p:sp>
+      <p:sp>
+        <p:nvSpPr>
+          <p:cNvPr id="58" name="TextBox 57">
+            <a:extLst>
+              <a:ext uri="{FF2B5EF4-FFF2-40B4-BE49-F238E27FC236}">
+                <a16:creationId xmlns:a16="http://schemas.microsoft.com/office/drawing/2014/main" id="{0B75E446-F014-4DDD-8A77-AAD0B4ADED8F}"/>
+              </a:ext>
+            </a:extLst>
+          </p:cNvPr>
+          <p:cNvSpPr txBox="1"/>
+          <p:nvPr/>
+        </p:nvSpPr>
+        <p:spPr>
+          <a:xfrm>
+            <a:off x="8918377" y="5077443"/>
+            <a:ext cx="685688" cy="276999"/>
+          </a:xfrm>
+          <a:prstGeom prst="rect">
+            <a:avLst/>
+          </a:prstGeom>
+          <a:noFill/>
+        </p:spPr>
+        <p:txBody>
+          <a:bodyPr wrap="square">
+            <a:spAutoFit/>
+          </a:bodyPr>
+          <a:lstStyle/>
+          <a:p>
+            <a:pPr algn="ctr"/>
+            <a:r>
+              <a:rPr lang="ko-KR" altLang="en-US" sz="1200" kern="0" dirty="0">
+                <a:latin typeface="맑은 고딕" panose="020B0503020000020004" pitchFamily="50" charset="-127"/>
+                <a:ea typeface="맑은 고딕" panose="020B0503020000020004" pitchFamily="50" charset="-127"/>
+              </a:rPr>
+              <a:t>얼음</a:t>
+            </a:r>
+            <a:endParaRPr lang="ko-KR" altLang="en-US" sz="1200" dirty="0"/>
+          </a:p>
+        </p:txBody>
+      </p:sp>
+      <p:sp>
+        <p:nvSpPr>
+          <p:cNvPr id="59" name="TextBox 58">
+            <a:extLst>
+              <a:ext uri="{FF2B5EF4-FFF2-40B4-BE49-F238E27FC236}">
+                <a16:creationId xmlns:a16="http://schemas.microsoft.com/office/drawing/2014/main" id="{FB7EFB32-92F4-41A4-80F2-12256AA2D490}"/>
+              </a:ext>
+            </a:extLst>
+          </p:cNvPr>
+          <p:cNvSpPr txBox="1"/>
+          <p:nvPr/>
+        </p:nvSpPr>
+        <p:spPr>
+          <a:xfrm>
+            <a:off x="8582117" y="3801115"/>
+            <a:ext cx="685688" cy="276999"/>
+          </a:xfrm>
+          <a:prstGeom prst="rect">
+            <a:avLst/>
+          </a:prstGeom>
+          <a:noFill/>
+        </p:spPr>
+        <p:txBody>
+          <a:bodyPr wrap="square">
+            <a:spAutoFit/>
+          </a:bodyPr>
+          <a:lstStyle/>
+          <a:p>
+            <a:pPr algn="ctr"/>
+            <a:r>
+              <a:rPr lang="ko-KR" altLang="en-US" sz="1200" kern="0" dirty="0" err="1">
+                <a:latin typeface="맑은 고딕" panose="020B0503020000020004" pitchFamily="50" charset="-127"/>
+                <a:ea typeface="맑은 고딕" panose="020B0503020000020004" pitchFamily="50" charset="-127"/>
+              </a:rPr>
+              <a:t>초코</a:t>
+            </a:r>
+            <a:endParaRPr lang="ko-KR" altLang="en-US" sz="1200" dirty="0"/>
+          </a:p>
+        </p:txBody>
+      </p:sp>
+      <p:sp>
+        <p:nvSpPr>
+          <p:cNvPr id="60" name="TextBox 59">
+            <a:extLst>
+              <a:ext uri="{FF2B5EF4-FFF2-40B4-BE49-F238E27FC236}">
+                <a16:creationId xmlns:a16="http://schemas.microsoft.com/office/drawing/2014/main" id="{F415A062-D55A-4E1F-BA5C-5973737CBDE5}"/>
+              </a:ext>
+            </a:extLst>
+          </p:cNvPr>
+          <p:cNvSpPr txBox="1"/>
+          <p:nvPr/>
+        </p:nvSpPr>
+        <p:spPr>
+          <a:xfrm>
+            <a:off x="8239273" y="2297923"/>
+            <a:ext cx="685688" cy="276999"/>
+          </a:xfrm>
+          <a:prstGeom prst="rect">
+            <a:avLst/>
+          </a:prstGeom>
+          <a:noFill/>
+        </p:spPr>
+        <p:txBody>
+          <a:bodyPr wrap="square">
+            <a:spAutoFit/>
+          </a:bodyPr>
+          <a:lstStyle/>
+          <a:p>
+            <a:pPr algn="ctr"/>
+            <a:r>
+              <a:rPr lang="ko-KR" altLang="en-US" sz="1200" dirty="0"/>
+              <a:t>딸기</a:t>
+            </a:r>
+          </a:p>
+        </p:txBody>
+      </p:sp>
+      <p:sp>
+        <p:nvSpPr>
+          <p:cNvPr id="61" name="TextBox 60">
+            <a:extLst>
+              <a:ext uri="{FF2B5EF4-FFF2-40B4-BE49-F238E27FC236}">
+                <a16:creationId xmlns:a16="http://schemas.microsoft.com/office/drawing/2014/main" id="{E8833655-8CA3-40DE-9A2A-A446C5E00ADB}"/>
+              </a:ext>
+            </a:extLst>
+          </p:cNvPr>
+          <p:cNvSpPr txBox="1"/>
+          <p:nvPr/>
+        </p:nvSpPr>
+        <p:spPr>
+          <a:xfrm>
+            <a:off x="9164312" y="3739687"/>
+            <a:ext cx="685688" cy="276999"/>
+          </a:xfrm>
+          <a:prstGeom prst="rect">
+            <a:avLst/>
+          </a:prstGeom>
+          <a:noFill/>
+        </p:spPr>
+        <p:txBody>
+          <a:bodyPr wrap="square">
+            <a:spAutoFit/>
+          </a:bodyPr>
+          <a:lstStyle/>
+          <a:p>
+            <a:pPr algn="ctr"/>
+            <a:r>
+              <a:rPr lang="ko-KR" altLang="en-US" sz="1200" kern="0" dirty="0">
+                <a:latin typeface="맑은 고딕" panose="020B0503020000020004" pitchFamily="50" charset="-127"/>
+                <a:ea typeface="맑은 고딕" panose="020B0503020000020004" pitchFamily="50" charset="-127"/>
+              </a:rPr>
+              <a:t>타로</a:t>
+            </a:r>
+            <a:endParaRPr lang="ko-KR" altLang="en-US" sz="1200" dirty="0"/>
+          </a:p>
+        </p:txBody>
+      </p:sp>
+      <p:sp>
+        <p:nvSpPr>
+          <p:cNvPr id="62" name="TextBox 61">
+            <a:extLst>
+              <a:ext uri="{FF2B5EF4-FFF2-40B4-BE49-F238E27FC236}">
+                <a16:creationId xmlns:a16="http://schemas.microsoft.com/office/drawing/2014/main" id="{AD44B60A-DB9E-4073-900A-EF47C68FFC24}"/>
+              </a:ext>
+            </a:extLst>
+          </p:cNvPr>
+          <p:cNvSpPr txBox="1"/>
+          <p:nvPr/>
+        </p:nvSpPr>
+        <p:spPr>
+          <a:xfrm>
+            <a:off x="9352205" y="3473436"/>
+            <a:ext cx="685688" cy="276999"/>
+          </a:xfrm>
+          <a:prstGeom prst="rect">
+            <a:avLst/>
+          </a:prstGeom>
+          <a:noFill/>
+        </p:spPr>
+        <p:txBody>
+          <a:bodyPr wrap="square">
+            <a:spAutoFit/>
+          </a:bodyPr>
+          <a:lstStyle/>
+          <a:p>
+            <a:pPr algn="ctr"/>
+            <a:r>
+              <a:rPr lang="ko-KR" altLang="en-US" sz="1200" kern="0" dirty="0">
+                <a:latin typeface="맑은 고딕" panose="020B0503020000020004" pitchFamily="50" charset="-127"/>
+                <a:ea typeface="맑은 고딕" panose="020B0503020000020004" pitchFamily="50" charset="-127"/>
+              </a:rPr>
+              <a:t>녹차</a:t>
+            </a:r>
+            <a:endParaRPr lang="ko-KR" altLang="en-US" sz="1200" dirty="0"/>
+          </a:p>
+        </p:txBody>
+      </p:sp>
+      <p:sp>
+        <p:nvSpPr>
+          <p:cNvPr id="63" name="TextBox 62">
+            <a:extLst>
+              <a:ext uri="{FF2B5EF4-FFF2-40B4-BE49-F238E27FC236}">
+                <a16:creationId xmlns:a16="http://schemas.microsoft.com/office/drawing/2014/main" id="{A2EAADB3-10D3-4AE5-896E-8A48E6B34E32}"/>
+              </a:ext>
+            </a:extLst>
+          </p:cNvPr>
+          <p:cNvSpPr txBox="1"/>
+          <p:nvPr/>
+        </p:nvSpPr>
+        <p:spPr>
+          <a:xfrm>
+            <a:off x="7262889" y="3210757"/>
+            <a:ext cx="685688" cy="276999"/>
+          </a:xfrm>
+          <a:prstGeom prst="rect">
+            <a:avLst/>
+          </a:prstGeom>
+          <a:noFill/>
+        </p:spPr>
+        <p:txBody>
+          <a:bodyPr wrap="square">
+            <a:spAutoFit/>
+          </a:bodyPr>
+          <a:lstStyle/>
+          <a:p>
+            <a:pPr algn="ctr"/>
+            <a:r>
+              <a:rPr lang="ko-KR" altLang="en-US" sz="1200" kern="0" dirty="0" err="1">
+                <a:latin typeface="맑은 고딕" panose="020B0503020000020004" pitchFamily="50" charset="-127"/>
+                <a:ea typeface="맑은 고딕" panose="020B0503020000020004" pitchFamily="50" charset="-127"/>
+              </a:rPr>
+              <a:t>과일차</a:t>
+            </a:r>
+            <a:endParaRPr lang="ko-KR" altLang="en-US" sz="1200" dirty="0"/>
+          </a:p>
+        </p:txBody>
+      </p:sp>
+      <p:sp>
+        <p:nvSpPr>
+          <p:cNvPr id="64" name="TextBox 63">
+            <a:extLst>
+              <a:ext uri="{FF2B5EF4-FFF2-40B4-BE49-F238E27FC236}">
+                <a16:creationId xmlns:a16="http://schemas.microsoft.com/office/drawing/2014/main" id="{CE12F5EF-2BA7-4FEB-8DDB-D86E593C8834}"/>
+              </a:ext>
+            </a:extLst>
+          </p:cNvPr>
+          <p:cNvSpPr txBox="1"/>
+          <p:nvPr/>
+        </p:nvSpPr>
+        <p:spPr>
+          <a:xfrm>
+            <a:off x="7317455" y="1829268"/>
+            <a:ext cx="685688" cy="276999"/>
+          </a:xfrm>
+          <a:prstGeom prst="rect">
+            <a:avLst/>
+          </a:prstGeom>
+          <a:noFill/>
+        </p:spPr>
+        <p:txBody>
+          <a:bodyPr wrap="square">
+            <a:spAutoFit/>
+          </a:bodyPr>
+          <a:lstStyle/>
+          <a:p>
+            <a:pPr algn="ctr"/>
+            <a:r>
+              <a:rPr lang="ko-KR" altLang="en-US" sz="1200" kern="0" dirty="0">
+                <a:latin typeface="맑은 고딕" panose="020B0503020000020004" pitchFamily="50" charset="-127"/>
+                <a:ea typeface="맑은 고딕" panose="020B0503020000020004" pitchFamily="50" charset="-127"/>
+              </a:rPr>
+              <a:t>우유</a:t>
+            </a:r>
+            <a:endParaRPr lang="ko-KR" altLang="en-US" sz="1200" dirty="0"/>
+          </a:p>
+        </p:txBody>
+      </p:sp>
+      <p:sp>
+        <p:nvSpPr>
+          <p:cNvPr id="65" name="TextBox 64">
+            <a:extLst>
+              <a:ext uri="{FF2B5EF4-FFF2-40B4-BE49-F238E27FC236}">
+                <a16:creationId xmlns:a16="http://schemas.microsoft.com/office/drawing/2014/main" id="{0185F175-7F49-4396-A507-7724DBA7910A}"/>
+              </a:ext>
+            </a:extLst>
+          </p:cNvPr>
+          <p:cNvSpPr txBox="1"/>
+          <p:nvPr/>
+        </p:nvSpPr>
+        <p:spPr>
+          <a:xfrm>
+            <a:off x="7205032" y="3638753"/>
+            <a:ext cx="685688" cy="276999"/>
+          </a:xfrm>
+          <a:prstGeom prst="rect">
+            <a:avLst/>
+          </a:prstGeom>
+          <a:noFill/>
+        </p:spPr>
+        <p:txBody>
+          <a:bodyPr wrap="square">
+            <a:spAutoFit/>
+          </a:bodyPr>
+          <a:lstStyle/>
+          <a:p>
+            <a:pPr algn="ctr"/>
+            <a:r>
+              <a:rPr lang="ko-KR" altLang="en-US" sz="1200" kern="0" dirty="0">
+                <a:latin typeface="맑은 고딕" panose="020B0503020000020004" pitchFamily="50" charset="-127"/>
+                <a:ea typeface="맑은 고딕" panose="020B0503020000020004" pitchFamily="50" charset="-127"/>
+              </a:rPr>
+              <a:t>홍콩</a:t>
+            </a:r>
+            <a:endParaRPr lang="ko-KR" altLang="en-US" sz="1200" dirty="0"/>
+          </a:p>
+        </p:txBody>
+      </p:sp>
+      <p:sp>
+        <p:nvSpPr>
+          <p:cNvPr id="66" name="TextBox 65">
+            <a:extLst>
+              <a:ext uri="{FF2B5EF4-FFF2-40B4-BE49-F238E27FC236}">
+                <a16:creationId xmlns:a16="http://schemas.microsoft.com/office/drawing/2014/main" id="{0B5685D3-7925-4360-B440-6452155FF636}"/>
+              </a:ext>
+            </a:extLst>
+          </p:cNvPr>
+          <p:cNvSpPr txBox="1"/>
+          <p:nvPr/>
+        </p:nvSpPr>
+        <p:spPr>
+          <a:xfrm>
+            <a:off x="7387586" y="2075022"/>
+            <a:ext cx="685688" cy="276999"/>
+          </a:xfrm>
+          <a:prstGeom prst="rect">
+            <a:avLst/>
+          </a:prstGeom>
+          <a:noFill/>
+        </p:spPr>
+        <p:txBody>
+          <a:bodyPr wrap="square">
+            <a:spAutoFit/>
+          </a:bodyPr>
+          <a:lstStyle/>
+          <a:p>
+            <a:pPr algn="ctr"/>
+            <a:r>
+              <a:rPr lang="ko-KR" altLang="en-US" sz="1200" kern="0" dirty="0" err="1">
+                <a:latin typeface="맑은 고딕" panose="020B0503020000020004" pitchFamily="50" charset="-127"/>
+                <a:ea typeface="맑은 고딕" panose="020B0503020000020004" pitchFamily="50" charset="-127"/>
+              </a:rPr>
+              <a:t>버블티</a:t>
+            </a:r>
+            <a:endParaRPr lang="ko-KR" altLang="en-US" sz="1200" dirty="0"/>
+          </a:p>
+        </p:txBody>
+      </p:sp>
+      <p:sp>
+        <p:nvSpPr>
+          <p:cNvPr id="67" name="TextBox 66">
+            <a:extLst>
+              <a:ext uri="{FF2B5EF4-FFF2-40B4-BE49-F238E27FC236}">
+                <a16:creationId xmlns:a16="http://schemas.microsoft.com/office/drawing/2014/main" id="{19E0C981-E6DF-4893-BAC0-F8DA441E0D2F}"/>
+              </a:ext>
+            </a:extLst>
+          </p:cNvPr>
+          <p:cNvSpPr txBox="1"/>
+          <p:nvPr/>
+        </p:nvSpPr>
+        <p:spPr>
+          <a:xfrm>
+            <a:off x="7948577" y="1998888"/>
+            <a:ext cx="685688" cy="276999"/>
+          </a:xfrm>
+          <a:prstGeom prst="rect">
+            <a:avLst/>
+          </a:prstGeom>
+          <a:noFill/>
+        </p:spPr>
+        <p:txBody>
+          <a:bodyPr wrap="square">
+            <a:spAutoFit/>
+          </a:bodyPr>
+          <a:lstStyle/>
+          <a:p>
+            <a:pPr algn="ctr"/>
+            <a:r>
+              <a:rPr lang="ko-KR" altLang="en-US" sz="1200" dirty="0" err="1"/>
+              <a:t>치즈폼</a:t>
+            </a:r>
+            <a:endParaRPr lang="ko-KR" altLang="en-US" sz="1200" dirty="0"/>
+          </a:p>
+        </p:txBody>
+      </p:sp>
+      <p:sp>
+        <p:nvSpPr>
+          <p:cNvPr id="68" name="TextBox 67">
+            <a:extLst>
+              <a:ext uri="{FF2B5EF4-FFF2-40B4-BE49-F238E27FC236}">
+                <a16:creationId xmlns:a16="http://schemas.microsoft.com/office/drawing/2014/main" id="{904388D8-FA6E-46D8-BDA5-E093180212A2}"/>
+              </a:ext>
+            </a:extLst>
+          </p:cNvPr>
+          <p:cNvSpPr txBox="1"/>
+          <p:nvPr/>
+        </p:nvSpPr>
+        <p:spPr>
+          <a:xfrm>
+            <a:off x="6099792" y="3260957"/>
+            <a:ext cx="685688" cy="276999"/>
+          </a:xfrm>
+          <a:prstGeom prst="rect">
+            <a:avLst/>
+          </a:prstGeom>
+          <a:noFill/>
+        </p:spPr>
+        <p:txBody>
+          <a:bodyPr wrap="square">
+            <a:spAutoFit/>
+          </a:bodyPr>
+          <a:lstStyle/>
+          <a:p>
+            <a:pPr algn="ctr"/>
+            <a:r>
+              <a:rPr lang="ko-KR" altLang="en-US" sz="1200" kern="0" dirty="0">
+                <a:latin typeface="맑은 고딕" panose="020B0503020000020004" pitchFamily="50" charset="-127"/>
+                <a:ea typeface="맑은 고딕" panose="020B0503020000020004" pitchFamily="50" charset="-127"/>
+              </a:rPr>
+              <a:t>주스</a:t>
+            </a:r>
+            <a:endParaRPr lang="ko-KR" altLang="en-US" sz="1200" dirty="0"/>
+          </a:p>
+        </p:txBody>
+      </p:sp>
+      <p:sp>
+        <p:nvSpPr>
+          <p:cNvPr id="69" name="TextBox 68">
+            <a:extLst>
+              <a:ext uri="{FF2B5EF4-FFF2-40B4-BE49-F238E27FC236}">
+                <a16:creationId xmlns:a16="http://schemas.microsoft.com/office/drawing/2014/main" id="{D715EC21-C381-4649-85AB-69FB6318F66F}"/>
+              </a:ext>
+            </a:extLst>
+          </p:cNvPr>
+          <p:cNvSpPr txBox="1"/>
+          <p:nvPr/>
+        </p:nvSpPr>
+        <p:spPr>
+          <a:xfrm>
+            <a:off x="8526436" y="3227039"/>
+            <a:ext cx="685688" cy="276999"/>
+          </a:xfrm>
+          <a:prstGeom prst="rect">
+            <a:avLst/>
+          </a:prstGeom>
+          <a:noFill/>
+        </p:spPr>
+        <p:txBody>
+          <a:bodyPr wrap="square">
+            <a:spAutoFit/>
+          </a:bodyPr>
+          <a:lstStyle/>
+          <a:p>
+            <a:pPr algn="ctr"/>
+            <a:r>
+              <a:rPr lang="ko-KR" altLang="en-US" sz="1200" kern="0" dirty="0">
+                <a:latin typeface="맑은 고딕" panose="020B0503020000020004" pitchFamily="50" charset="-127"/>
+                <a:ea typeface="맑은 고딕" panose="020B0503020000020004" pitchFamily="50" charset="-127"/>
+              </a:rPr>
+              <a:t>코코넛</a:t>
+            </a:r>
+            <a:endParaRPr lang="ko-KR" altLang="en-US" sz="1200" dirty="0"/>
+          </a:p>
+        </p:txBody>
+      </p:sp>
+      <p:sp>
+        <p:nvSpPr>
+          <p:cNvPr id="70" name="TextBox 69">
+            <a:extLst>
+              <a:ext uri="{FF2B5EF4-FFF2-40B4-BE49-F238E27FC236}">
+                <a16:creationId xmlns:a16="http://schemas.microsoft.com/office/drawing/2014/main" id="{AFFF07C3-FAE6-42F1-AF75-F35BC8F0D559}"/>
+              </a:ext>
+            </a:extLst>
+          </p:cNvPr>
+          <p:cNvSpPr txBox="1"/>
+          <p:nvPr/>
+        </p:nvSpPr>
+        <p:spPr>
+          <a:xfrm>
+            <a:off x="7581543" y="2905893"/>
+            <a:ext cx="685688" cy="276999"/>
+          </a:xfrm>
+          <a:prstGeom prst="rect">
+            <a:avLst/>
+          </a:prstGeom>
+          <a:noFill/>
+        </p:spPr>
+        <p:txBody>
+          <a:bodyPr wrap="square">
+            <a:spAutoFit/>
+          </a:bodyPr>
+          <a:lstStyle/>
+          <a:p>
+            <a:pPr algn="ctr"/>
+            <a:r>
+              <a:rPr lang="ko-KR" altLang="en-US" sz="1200" kern="0" dirty="0" err="1">
+                <a:latin typeface="맑은 고딕" panose="020B0503020000020004" pitchFamily="50" charset="-127"/>
+                <a:ea typeface="맑은 고딕" panose="020B0503020000020004" pitchFamily="50" charset="-127"/>
+              </a:rPr>
+              <a:t>논커피</a:t>
+            </a:r>
+            <a:endParaRPr lang="ko-KR" altLang="en-US" sz="1200" dirty="0"/>
+          </a:p>
+        </p:txBody>
+      </p:sp>
+      <p:sp>
+        <p:nvSpPr>
+          <p:cNvPr id="71" name="TextBox 70">
+            <a:extLst>
+              <a:ext uri="{FF2B5EF4-FFF2-40B4-BE49-F238E27FC236}">
+                <a16:creationId xmlns:a16="http://schemas.microsoft.com/office/drawing/2014/main" id="{761D18DE-7D7F-4770-836B-A5FB5FBB835D}"/>
+              </a:ext>
+            </a:extLst>
+          </p:cNvPr>
+          <p:cNvSpPr txBox="1"/>
+          <p:nvPr/>
+        </p:nvSpPr>
+        <p:spPr>
+          <a:xfrm>
+            <a:off x="7044742" y="2504453"/>
+            <a:ext cx="685688" cy="276999"/>
+          </a:xfrm>
+          <a:prstGeom prst="rect">
+            <a:avLst/>
+          </a:prstGeom>
+          <a:noFill/>
+        </p:spPr>
+        <p:txBody>
+          <a:bodyPr wrap="square">
+            <a:spAutoFit/>
+          </a:bodyPr>
+          <a:lstStyle/>
+          <a:p>
+            <a:pPr algn="ctr"/>
+            <a:r>
+              <a:rPr lang="ko-KR" altLang="en-US" sz="1200" kern="0" dirty="0">
+                <a:latin typeface="맑은 고딕" panose="020B0503020000020004" pitchFamily="50" charset="-127"/>
+                <a:ea typeface="맑은 고딕" panose="020B0503020000020004" pitchFamily="50" charset="-127"/>
+              </a:rPr>
+              <a:t>여성</a:t>
+            </a:r>
+            <a:endParaRPr lang="ko-KR" altLang="en-US" sz="1200" dirty="0"/>
+          </a:p>
+        </p:txBody>
+      </p:sp>
+      <p:sp>
+        <p:nvSpPr>
+          <p:cNvPr id="72" name="TextBox 71">
+            <a:extLst>
+              <a:ext uri="{FF2B5EF4-FFF2-40B4-BE49-F238E27FC236}">
+                <a16:creationId xmlns:a16="http://schemas.microsoft.com/office/drawing/2014/main" id="{DC277BBF-C8D2-4699-89EC-3661B1EF2E5A}"/>
+              </a:ext>
+            </a:extLst>
+          </p:cNvPr>
+          <p:cNvSpPr txBox="1"/>
+          <p:nvPr/>
+        </p:nvSpPr>
+        <p:spPr>
+          <a:xfrm>
+            <a:off x="6884209" y="2291368"/>
+            <a:ext cx="685688" cy="276999"/>
+          </a:xfrm>
+          <a:prstGeom prst="rect">
+            <a:avLst/>
+          </a:prstGeom>
+          <a:noFill/>
+        </p:spPr>
+        <p:txBody>
+          <a:bodyPr wrap="square">
+            <a:spAutoFit/>
+          </a:bodyPr>
+          <a:lstStyle/>
+          <a:p>
+            <a:pPr algn="ctr"/>
+            <a:r>
+              <a:rPr lang="ko-KR" altLang="en-US" sz="1200" kern="0" dirty="0" err="1">
+                <a:latin typeface="맑은 고딕" panose="020B0503020000020004" pitchFamily="50" charset="-127"/>
+                <a:ea typeface="맑은 고딕" panose="020B0503020000020004" pitchFamily="50" charset="-127"/>
+              </a:rPr>
+              <a:t>스무디</a:t>
+            </a:r>
+            <a:endParaRPr lang="ko-KR" altLang="en-US" sz="1200" dirty="0"/>
+          </a:p>
+        </p:txBody>
+      </p:sp>
+      <p:sp>
+        <p:nvSpPr>
+          <p:cNvPr id="73" name="TextBox 72">
+            <a:extLst>
+              <a:ext uri="{FF2B5EF4-FFF2-40B4-BE49-F238E27FC236}">
+                <a16:creationId xmlns:a16="http://schemas.microsoft.com/office/drawing/2014/main" id="{8BCAE6E4-5C98-4D9A-98B4-2624B7CF68B2}"/>
+              </a:ext>
+            </a:extLst>
+          </p:cNvPr>
+          <p:cNvSpPr txBox="1"/>
+          <p:nvPr/>
+        </p:nvSpPr>
+        <p:spPr>
+          <a:xfrm>
+            <a:off x="6695763" y="3878186"/>
+            <a:ext cx="835927" cy="276999"/>
+          </a:xfrm>
+          <a:prstGeom prst="rect">
+            <a:avLst/>
+          </a:prstGeom>
+          <a:noFill/>
+        </p:spPr>
+        <p:txBody>
+          <a:bodyPr wrap="square">
+            <a:spAutoFit/>
+          </a:bodyPr>
+          <a:lstStyle/>
+          <a:p>
+            <a:pPr algn="ctr"/>
+            <a:r>
+              <a:rPr lang="ko-KR" altLang="en-US" sz="1200" kern="0" dirty="0">
+                <a:latin typeface="맑은 고딕" panose="020B0503020000020004" pitchFamily="50" charset="-127"/>
+                <a:ea typeface="맑은 고딕" panose="020B0503020000020004" pitchFamily="50" charset="-127"/>
+              </a:rPr>
+              <a:t>시원하다</a:t>
+            </a:r>
+            <a:endParaRPr lang="ko-KR" altLang="en-US" sz="1200" dirty="0"/>
+          </a:p>
+        </p:txBody>
+      </p:sp>
+      <p:sp>
+        <p:nvSpPr>
+          <p:cNvPr id="74" name="TextBox 73">
+            <a:extLst>
+              <a:ext uri="{FF2B5EF4-FFF2-40B4-BE49-F238E27FC236}">
+                <a16:creationId xmlns:a16="http://schemas.microsoft.com/office/drawing/2014/main" id="{5D2F0E5A-F026-4BB0-9A12-14D8570CE645}"/>
+              </a:ext>
+            </a:extLst>
+          </p:cNvPr>
+          <p:cNvSpPr txBox="1"/>
+          <p:nvPr/>
+        </p:nvSpPr>
+        <p:spPr>
+          <a:xfrm>
+            <a:off x="8924961" y="2972464"/>
+            <a:ext cx="801179" cy="276999"/>
+          </a:xfrm>
+          <a:prstGeom prst="rect">
+            <a:avLst/>
+          </a:prstGeom>
+          <a:noFill/>
+        </p:spPr>
+        <p:txBody>
+          <a:bodyPr wrap="square">
+            <a:spAutoFit/>
+          </a:bodyPr>
+          <a:lstStyle/>
+          <a:p>
+            <a:pPr algn="ctr"/>
+            <a:r>
+              <a:rPr lang="ko-KR" altLang="en-US" sz="1200" kern="0" dirty="0" err="1">
+                <a:latin typeface="맑은 고딕" panose="020B0503020000020004" pitchFamily="50" charset="-127"/>
+                <a:ea typeface="맑은 고딕" panose="020B0503020000020004" pitchFamily="50" charset="-127"/>
+              </a:rPr>
+              <a:t>얼그레이</a:t>
+            </a:r>
+            <a:endParaRPr lang="ko-KR" altLang="en-US" sz="1200" dirty="0"/>
+          </a:p>
+        </p:txBody>
+      </p:sp>
+      <p:sp>
+        <p:nvSpPr>
+          <p:cNvPr id="75" name="TextBox 74">
+            <a:extLst>
+              <a:ext uri="{FF2B5EF4-FFF2-40B4-BE49-F238E27FC236}">
+                <a16:creationId xmlns:a16="http://schemas.microsoft.com/office/drawing/2014/main" id="{6920B034-91DD-4C49-B026-B2F9F94D97C6}"/>
+              </a:ext>
+            </a:extLst>
+          </p:cNvPr>
+          <p:cNvSpPr txBox="1"/>
+          <p:nvPr/>
+        </p:nvSpPr>
+        <p:spPr>
+          <a:xfrm>
+            <a:off x="6668132" y="3530303"/>
+            <a:ext cx="685688" cy="276999"/>
+          </a:xfrm>
+          <a:prstGeom prst="rect">
+            <a:avLst/>
+          </a:prstGeom>
+          <a:noFill/>
+        </p:spPr>
+        <p:txBody>
+          <a:bodyPr wrap="square">
+            <a:spAutoFit/>
+          </a:bodyPr>
+          <a:lstStyle/>
+          <a:p>
+            <a:pPr algn="ctr"/>
+            <a:r>
+              <a:rPr lang="ko-KR" altLang="en-US" sz="1200" dirty="0" err="1"/>
+              <a:t>우롱티</a:t>
+            </a:r>
+            <a:endParaRPr lang="ko-KR" altLang="en-US" sz="1200" dirty="0"/>
+          </a:p>
+        </p:txBody>
+      </p:sp>
+      <p:sp>
+        <p:nvSpPr>
+          <p:cNvPr id="76" name="TextBox 75">
+            <a:extLst>
+              <a:ext uri="{FF2B5EF4-FFF2-40B4-BE49-F238E27FC236}">
+                <a16:creationId xmlns:a16="http://schemas.microsoft.com/office/drawing/2014/main" id="{275D4E38-E447-4FA7-9D88-81D6CF4ECC6D}"/>
+              </a:ext>
+            </a:extLst>
+          </p:cNvPr>
+          <p:cNvSpPr txBox="1"/>
+          <p:nvPr/>
+        </p:nvSpPr>
+        <p:spPr>
+          <a:xfrm>
+            <a:off x="6032957" y="3681750"/>
+            <a:ext cx="1021243" cy="276999"/>
+          </a:xfrm>
+          <a:prstGeom prst="rect">
+            <a:avLst/>
+          </a:prstGeom>
+          <a:noFill/>
+        </p:spPr>
+        <p:txBody>
+          <a:bodyPr wrap="square">
+            <a:spAutoFit/>
+          </a:bodyPr>
+          <a:lstStyle/>
+          <a:p>
+            <a:pPr algn="ctr"/>
+            <a:r>
+              <a:rPr lang="ko-KR" altLang="en-US" sz="1200" kern="0" dirty="0">
+                <a:latin typeface="맑은 고딕" panose="020B0503020000020004" pitchFamily="50" charset="-127"/>
+                <a:ea typeface="맑은 고딕" panose="020B0503020000020004" pitchFamily="50" charset="-127"/>
+              </a:rPr>
+              <a:t>여름</a:t>
+            </a:r>
+            <a:endParaRPr lang="ko-KR" altLang="en-US" sz="1200" dirty="0"/>
+          </a:p>
+        </p:txBody>
+      </p:sp>
+      <p:sp>
+        <p:nvSpPr>
+          <p:cNvPr id="3" name="타원 2">
+            <a:extLst>
+              <a:ext uri="{FF2B5EF4-FFF2-40B4-BE49-F238E27FC236}">
+                <a16:creationId xmlns:a16="http://schemas.microsoft.com/office/drawing/2014/main" id="{7F4FCC8D-3B97-4D6D-B165-52070DA90FBF}"/>
+              </a:ext>
+            </a:extLst>
+          </p:cNvPr>
+          <p:cNvSpPr/>
+          <p:nvPr/>
+        </p:nvSpPr>
+        <p:spPr>
+          <a:xfrm>
+            <a:off x="6401694" y="1965491"/>
+            <a:ext cx="1637941" cy="1610613"/>
+          </a:xfrm>
+          <a:prstGeom prst="ellipse">
+            <a:avLst/>
+          </a:prstGeom>
+          <a:noFill/>
+          <a:ln w="28575"/>
+        </p:spPr>
+        <p:style>
+          <a:lnRef idx="2">
+            <a:schemeClr val="accent1">
+              <a:shade val="50000"/>
+            </a:schemeClr>
+          </a:lnRef>
+          <a:fillRef idx="1">
+            <a:schemeClr val="accent1"/>
+          </a:fillRef>
+          <a:effectRef idx="0">
+            <a:schemeClr val="accent1"/>
+          </a:effectRef>
+          <a:fontRef idx="minor">
+            <a:schemeClr val="lt1"/>
+          </a:fontRef>
+        </p:style>
+        <p:txBody>
+          <a:bodyPr rtlCol="0" anchor="ctr"/>
+          <a:lstStyle/>
+          <a:p>
+            <a:pPr algn="ctr"/>
+            <a:endParaRPr lang="ko-KR" altLang="en-US"/>
+          </a:p>
+        </p:txBody>
+      </p:sp>
     </p:spTree>
     <p:extLst>
       <p:ext uri="{BB962C8B-B14F-4D97-AF65-F5344CB8AC3E}">
@@ -14446,6 +16956,102 @@
           </a:p>
         </p:txBody>
       </p:sp>
+      <p:sp>
+        <p:nvSpPr>
+          <p:cNvPr id="8" name="타원 7">
+            <a:extLst>
+              <a:ext uri="{FF2B5EF4-FFF2-40B4-BE49-F238E27FC236}">
+                <a16:creationId xmlns:a16="http://schemas.microsoft.com/office/drawing/2014/main" id="{14C8F2B7-9F09-4581-B05A-7132976AC631}"/>
+              </a:ext>
+            </a:extLst>
+          </p:cNvPr>
+          <p:cNvSpPr/>
+          <p:nvPr/>
+        </p:nvSpPr>
+        <p:spPr>
+          <a:xfrm>
+            <a:off x="1376391" y="2433390"/>
+            <a:ext cx="1637941" cy="1610613"/>
+          </a:xfrm>
+          <a:prstGeom prst="ellipse">
+            <a:avLst/>
+          </a:prstGeom>
+          <a:noFill/>
+          <a:ln w="28575"/>
+        </p:spPr>
+        <p:style>
+          <a:lnRef idx="2">
+            <a:schemeClr val="accent1">
+              <a:shade val="50000"/>
+            </a:schemeClr>
+          </a:lnRef>
+          <a:fillRef idx="1">
+            <a:schemeClr val="accent1"/>
+          </a:fillRef>
+          <a:effectRef idx="0">
+            <a:schemeClr val="accent1"/>
+          </a:effectRef>
+          <a:fontRef idx="minor">
+            <a:schemeClr val="lt1"/>
+          </a:fontRef>
+        </p:style>
+        <p:txBody>
+          <a:bodyPr rtlCol="0" anchor="ctr"/>
+          <a:lstStyle/>
+          <a:p>
+            <a:pPr algn="ctr"/>
+            <a:endParaRPr lang="ko-KR" altLang="en-US"/>
+          </a:p>
+        </p:txBody>
+      </p:sp>
+      <p:sp>
+        <p:nvSpPr>
+          <p:cNvPr id="9" name="타원 8">
+            <a:extLst>
+              <a:ext uri="{FF2B5EF4-FFF2-40B4-BE49-F238E27FC236}">
+                <a16:creationId xmlns:a16="http://schemas.microsoft.com/office/drawing/2014/main" id="{A6DEF505-FE8D-45AD-A9E8-926E2750C267}"/>
+              </a:ext>
+            </a:extLst>
+          </p:cNvPr>
+          <p:cNvSpPr/>
+          <p:nvPr/>
+        </p:nvSpPr>
+        <p:spPr>
+          <a:xfrm>
+            <a:off x="6834221" y="2410681"/>
+            <a:ext cx="1637941" cy="1610613"/>
+          </a:xfrm>
+          <a:prstGeom prst="ellipse">
+            <a:avLst/>
+          </a:prstGeom>
+          <a:noFill/>
+          <a:ln w="28575"/>
+        </p:spPr>
+        <p:style>
+          <a:lnRef idx="2">
+            <a:schemeClr val="accent1">
+              <a:shade val="50000"/>
+            </a:schemeClr>
+          </a:lnRef>
+          <a:fillRef idx="1">
+            <a:schemeClr val="accent1"/>
+          </a:fillRef>
+          <a:effectRef idx="0">
+            <a:schemeClr val="accent1"/>
+          </a:effectRef>
+          <a:fontRef idx="minor">
+            <a:schemeClr val="lt1"/>
+          </a:fontRef>
+        </p:style>
+        <p:txBody>
+          <a:bodyPr rtlCol="0" anchor="ctr"/>
+          <a:lstStyle/>
+          <a:p>
+            <a:pPr algn="ctr"/>
+            <a:endParaRPr lang="ko-KR" altLang="en-US"/>
+          </a:p>
+        </p:txBody>
+      </p:sp>
     </p:spTree>
     <p:extLst>
       <p:ext uri="{BB962C8B-B14F-4D97-AF65-F5344CB8AC3E}">
@@ -14726,7 +17332,7 @@
           <p:nvPr>
             <p:extLst>
               <p:ext uri="{D42A27DB-BD31-4B8C-83A1-F6EECF244321}">
-                <p14:modId xmlns:p14="http://schemas.microsoft.com/office/powerpoint/2010/main" val="3220430994"/>
+                <p14:modId xmlns:p14="http://schemas.microsoft.com/office/powerpoint/2010/main" val="339646636"/>
               </p:ext>
             </p:extLst>
           </p:nvPr>
@@ -14853,6 +17459,126 @@
                           <a:spcPts val="0"/>
                         </a:spcAft>
                       </a:pPr>
+                      <a:r>
+                        <a:rPr lang="ko-KR" altLang="en-US" sz="1500" b="0" kern="0" spc="0" dirty="0">
+                          <a:solidFill>
+                            <a:schemeClr val="bg1">
+                              <a:lumMod val="50000"/>
+                            </a:schemeClr>
+                          </a:solidFill>
+                          <a:effectLst/>
+                          <a:latin typeface="맑은 고딕" panose="020B0503020000020004" pitchFamily="50" charset="-127"/>
+                        </a:rPr>
+                        <a:t>주요 핵심 키워드 방향은 대부분 부드러운 부분이 많고</a:t>
+                      </a:r>
+                      <a:r>
+                        <a:rPr lang="en-US" altLang="ko-KR" sz="1500" b="0" kern="0" spc="0" dirty="0">
+                          <a:solidFill>
+                            <a:schemeClr val="bg1">
+                              <a:lumMod val="50000"/>
+                            </a:schemeClr>
+                          </a:solidFill>
+                          <a:effectLst/>
+                          <a:latin typeface="맑은 고딕" panose="020B0503020000020004" pitchFamily="50" charset="-127"/>
+                        </a:rPr>
+                        <a:t>, </a:t>
+                      </a:r>
+                      <a:r>
+                        <a:rPr lang="ko-KR" altLang="en-US" sz="1500" b="0" kern="0" spc="0" dirty="0">
+                          <a:solidFill>
+                            <a:schemeClr val="bg1">
+                              <a:lumMod val="50000"/>
+                            </a:schemeClr>
+                          </a:solidFill>
+                          <a:effectLst/>
+                          <a:latin typeface="맑은 고딕" panose="020B0503020000020004" pitchFamily="50" charset="-127"/>
+                        </a:rPr>
+                        <a:t>정적인 부분과 동적인 부분이 잘 양분되어 있다</a:t>
+                      </a:r>
+                      <a:r>
+                        <a:rPr lang="en-US" altLang="ko-KR" sz="1500" b="0" kern="0" spc="0" dirty="0">
+                          <a:solidFill>
+                            <a:schemeClr val="bg1">
+                              <a:lumMod val="50000"/>
+                            </a:schemeClr>
+                          </a:solidFill>
+                          <a:effectLst/>
+                          <a:latin typeface="맑은 고딕" panose="020B0503020000020004" pitchFamily="50" charset="-127"/>
+                        </a:rPr>
+                        <a:t>. </a:t>
+                      </a:r>
+                      <a:r>
+                        <a:rPr lang="ko-KR" altLang="en-US" sz="1500" b="0" kern="0" spc="0" dirty="0">
+                          <a:solidFill>
+                            <a:schemeClr val="bg1">
+                              <a:lumMod val="50000"/>
+                            </a:schemeClr>
+                          </a:solidFill>
+                          <a:effectLst/>
+                          <a:latin typeface="맑은 고딕" panose="020B0503020000020004" pitchFamily="50" charset="-127"/>
+                        </a:rPr>
+                        <a:t>브랜드에서는 상큼하고 시원하며 생동감 있는 이미지를 계속 이어가고자 하기 때문에 기존 컬러에서 크게 변동을 주지 않고 기업의 주요 컬러인 레드를 포인트 컬러로 잡아</a:t>
+                      </a:r>
+                      <a:r>
+                        <a:rPr lang="en-US" altLang="ko-KR" sz="1500" b="0" kern="0" spc="0" dirty="0">
+                          <a:solidFill>
+                            <a:schemeClr val="bg1">
+                              <a:lumMod val="50000"/>
+                            </a:schemeClr>
+                          </a:solidFill>
+                          <a:effectLst/>
+                          <a:latin typeface="맑은 고딕" panose="020B0503020000020004" pitchFamily="50" charset="-127"/>
+                        </a:rPr>
+                        <a:t>, </a:t>
+                      </a:r>
+                      <a:r>
+                        <a:rPr lang="ko-KR" altLang="en-US" sz="1500" b="0" kern="0" spc="0" dirty="0">
+                          <a:solidFill>
+                            <a:schemeClr val="bg1">
+                              <a:lumMod val="50000"/>
+                            </a:schemeClr>
+                          </a:solidFill>
+                          <a:effectLst/>
+                          <a:latin typeface="맑은 고딕" panose="020B0503020000020004" pitchFamily="50" charset="-127"/>
+                        </a:rPr>
+                        <a:t>핵심 제품군인 </a:t>
+                      </a:r>
+                      <a:r>
+                        <a:rPr lang="ko-KR" altLang="en-US" sz="1500" b="0" kern="0" spc="0" dirty="0" err="1">
+                          <a:solidFill>
+                            <a:schemeClr val="bg1">
+                              <a:lumMod val="50000"/>
+                            </a:schemeClr>
+                          </a:solidFill>
+                          <a:effectLst/>
+                          <a:latin typeface="맑은 고딕" panose="020B0503020000020004" pitchFamily="50" charset="-127"/>
+                        </a:rPr>
+                        <a:t>밀크티의</a:t>
+                      </a:r>
+                      <a:r>
+                        <a:rPr lang="ko-KR" altLang="en-US" sz="1500" b="0" kern="0" spc="0" dirty="0">
+                          <a:solidFill>
+                            <a:schemeClr val="bg1">
+                              <a:lumMod val="50000"/>
+                            </a:schemeClr>
+                          </a:solidFill>
+                          <a:effectLst/>
+                          <a:latin typeface="맑은 고딕" panose="020B0503020000020004" pitchFamily="50" charset="-127"/>
+                        </a:rPr>
+                        <a:t> 밝은 브라운 컬러와 같은 부드러운 컬러를 같이 매칭하여 밝고 부드러운 느낌을 주고자 한다</a:t>
+                      </a:r>
+                      <a:r>
+                        <a:rPr lang="en-US" altLang="ko-KR" sz="1500" b="0" kern="0" spc="0" dirty="0">
+                          <a:solidFill>
+                            <a:schemeClr val="bg1">
+                              <a:lumMod val="50000"/>
+                            </a:schemeClr>
+                          </a:solidFill>
+                          <a:effectLst/>
+                          <a:latin typeface="맑은 고딕" panose="020B0503020000020004" pitchFamily="50" charset="-127"/>
+                        </a:rPr>
+                        <a:t>. </a:t>
+                      </a:r>
                       <a:endParaRPr lang="ko-KR" altLang="en-US" sz="1500" b="0" kern="0" spc="0" dirty="0">
                         <a:solidFill>
                           <a:schemeClr val="bg1">
@@ -14921,6 +17647,54 @@
           </a:graphicData>
         </a:graphic>
       </p:graphicFrame>
+      <p:sp>
+        <p:nvSpPr>
+          <p:cNvPr id="8" name="타원 7">
+            <a:extLst>
+              <a:ext uri="{FF2B5EF4-FFF2-40B4-BE49-F238E27FC236}">
+                <a16:creationId xmlns:a16="http://schemas.microsoft.com/office/drawing/2014/main" id="{A2F60639-AB00-4EE0-93EC-895762C2E33B}"/>
+              </a:ext>
+            </a:extLst>
+          </p:cNvPr>
+          <p:cNvSpPr/>
+          <p:nvPr/>
+        </p:nvSpPr>
+        <p:spPr>
+          <a:xfrm>
+            <a:off x="1501067" y="2433390"/>
+            <a:ext cx="1637941" cy="1610613"/>
+          </a:xfrm>
+          <a:prstGeom prst="ellipse">
+            <a:avLst/>
+          </a:prstGeom>
+          <a:noFill/>
+          <a:ln w="28575"/>
+        </p:spPr>
+        <p:style>
+          <a:lnRef idx="2">
+            <a:schemeClr val="accent1">
+              <a:shade val="50000"/>
+            </a:schemeClr>
+          </a:lnRef>
+          <a:fillRef idx="1">
+            <a:schemeClr val="accent1"/>
+          </a:fillRef>
+          <a:effectRef idx="0">
+            <a:schemeClr val="accent1"/>
+          </a:effectRef>
+          <a:fontRef idx="minor">
+            <a:schemeClr val="lt1"/>
+          </a:fontRef>
+        </p:style>
+        <p:txBody>
+          <a:bodyPr rtlCol="0" anchor="ctr"/>
+          <a:lstStyle/>
+          <a:p>
+            <a:pPr algn="ctr"/>
+            <a:endParaRPr lang="ko-KR" altLang="en-US"/>
+          </a:p>
+        </p:txBody>
+      </p:sp>
     </p:spTree>
     <p:extLst>
       <p:ext uri="{BB962C8B-B14F-4D97-AF65-F5344CB8AC3E}">
@@ -15129,14 +17903,14 @@
           <p:nvPr>
             <p:extLst>
               <p:ext uri="{D42A27DB-BD31-4B8C-83A1-F6EECF244321}">
-                <p14:modId xmlns:p14="http://schemas.microsoft.com/office/powerpoint/2010/main" val="304065596"/>
+                <p14:modId xmlns:p14="http://schemas.microsoft.com/office/powerpoint/2010/main" val="2784261640"/>
               </p:ext>
             </p:extLst>
           </p:nvPr>
         </p:nvGraphicFramePr>
         <p:xfrm>
           <a:off x="1561763" y="3091160"/>
-          <a:ext cx="9144000" cy="3081041"/>
+          <a:ext cx="9144000" cy="3299509"/>
         </p:xfrm>
         <a:graphic>
           <a:graphicData uri="http://schemas.openxmlformats.org/drawingml/2006/table">
@@ -15244,6 +18018,285 @@
                   <a:txBody>
                     <a:bodyPr/>
                     <a:lstStyle/>
+                    <a:p>
+                      <a:pPr marL="0" marR="0" indent="0" algn="l" fontAlgn="base" latinLnBrk="0">
+                        <a:lnSpc>
+                          <a:spcPct val="130000"/>
+                        </a:lnSpc>
+                        <a:spcBef>
+                          <a:spcPts val="0"/>
+                        </a:spcBef>
+                        <a:spcAft>
+                          <a:spcPts val="0"/>
+                        </a:spcAft>
+                      </a:pPr>
+                      <a:r>
+                        <a:rPr lang="ko-KR" altLang="en-US" sz="1500" b="0" kern="0" spc="0" dirty="0">
+                          <a:solidFill>
+                            <a:schemeClr val="bg1">
+                              <a:lumMod val="50000"/>
+                            </a:schemeClr>
+                          </a:solidFill>
+                          <a:effectLst/>
+                          <a:latin typeface="맑은 고딕" panose="020B0503020000020004" pitchFamily="50" charset="-127"/>
+                        </a:rPr>
+                        <a:t>주문을 쉽게 할 수 있는 보조 시스템을 통해 고객층의 확산과 다변화를 기도</a:t>
+                      </a:r>
+                      <a:r>
+                        <a:rPr lang="en-US" altLang="ko-KR" sz="1500" b="0" kern="0" spc="0" dirty="0">
+                          <a:solidFill>
+                            <a:schemeClr val="bg1">
+                              <a:lumMod val="50000"/>
+                            </a:schemeClr>
+                          </a:solidFill>
+                          <a:effectLst/>
+                          <a:latin typeface="맑은 고딕" panose="020B0503020000020004" pitchFamily="50" charset="-127"/>
+                        </a:rPr>
+                        <a:t>.</a:t>
+                      </a:r>
+                    </a:p>
+                    <a:p>
+                      <a:pPr marL="0" marR="0" indent="0" algn="l" fontAlgn="base" latinLnBrk="0">
+                        <a:lnSpc>
+                          <a:spcPct val="130000"/>
+                        </a:lnSpc>
+                        <a:spcBef>
+                          <a:spcPts val="0"/>
+                        </a:spcBef>
+                        <a:spcAft>
+                          <a:spcPts val="0"/>
+                        </a:spcAft>
+                      </a:pPr>
+                      <a:endParaRPr lang="en-US" altLang="ko-KR" sz="1500" b="0" kern="0" spc="0" dirty="0">
+                        <a:solidFill>
+                          <a:schemeClr val="bg1">
+                            <a:lumMod val="50000"/>
+                          </a:schemeClr>
+                        </a:solidFill>
+                        <a:effectLst/>
+                        <a:latin typeface="맑은 고딕" panose="020B0503020000020004" pitchFamily="50" charset="-127"/>
+                      </a:endParaRPr>
+                    </a:p>
+                    <a:p>
+                      <a:pPr marL="0" marR="0" indent="0" algn="l" fontAlgn="base" latinLnBrk="0">
+                        <a:lnSpc>
+                          <a:spcPct val="130000"/>
+                        </a:lnSpc>
+                        <a:spcBef>
+                          <a:spcPts val="0"/>
+                        </a:spcBef>
+                        <a:spcAft>
+                          <a:spcPts val="0"/>
+                        </a:spcAft>
+                      </a:pPr>
+                      <a:r>
+                        <a:rPr lang="ko-KR" altLang="en-US" sz="1500" b="0" kern="0" spc="0" dirty="0">
+                          <a:solidFill>
+                            <a:schemeClr val="bg1">
+                              <a:lumMod val="50000"/>
+                            </a:schemeClr>
+                          </a:solidFill>
+                          <a:effectLst/>
+                          <a:latin typeface="맑은 고딕" panose="020B0503020000020004" pitchFamily="50" charset="-127"/>
+                        </a:rPr>
+                        <a:t>사이트에서 음료 커스텀에 따른 칼로리를 열람할 수 있는 기능</a:t>
+                      </a:r>
+                    </a:p>
+                    <a:p>
+                      <a:pPr marL="0" marR="0" indent="0" algn="l" fontAlgn="base" latinLnBrk="0">
+                        <a:lnSpc>
+                          <a:spcPct val="130000"/>
+                        </a:lnSpc>
+                        <a:spcBef>
+                          <a:spcPts val="0"/>
+                        </a:spcBef>
+                        <a:spcAft>
+                          <a:spcPts val="0"/>
+                        </a:spcAft>
+                      </a:pPr>
+                      <a:r>
+                        <a:rPr lang="ko-KR" altLang="en-US" sz="1500" b="0" kern="0" spc="0" dirty="0">
+                          <a:solidFill>
+                            <a:schemeClr val="bg1">
+                              <a:lumMod val="50000"/>
+                            </a:schemeClr>
+                          </a:solidFill>
+                          <a:effectLst/>
+                          <a:latin typeface="맑은 고딕" panose="020B0503020000020004" pitchFamily="50" charset="-127"/>
+                        </a:rPr>
+                        <a:t>음료 커스텀에 대한 더욱 디테일한 설명 제공</a:t>
+                      </a:r>
+                    </a:p>
+                    <a:p>
+                      <a:pPr marL="0" marR="0" indent="0" algn="l" fontAlgn="base" latinLnBrk="0">
+                        <a:lnSpc>
+                          <a:spcPct val="130000"/>
+                        </a:lnSpc>
+                        <a:spcBef>
+                          <a:spcPts val="0"/>
+                        </a:spcBef>
+                        <a:spcAft>
+                          <a:spcPts val="0"/>
+                        </a:spcAft>
+                      </a:pPr>
+                      <a:endParaRPr lang="en-US" altLang="ko-KR" sz="1500" b="0" kern="0" spc="0" dirty="0">
+                        <a:solidFill>
+                          <a:schemeClr val="bg1">
+                            <a:lumMod val="50000"/>
+                          </a:schemeClr>
+                        </a:solidFill>
+                        <a:effectLst/>
+                        <a:latin typeface="맑은 고딕" panose="020B0503020000020004" pitchFamily="50" charset="-127"/>
+                      </a:endParaRPr>
+                    </a:p>
+                    <a:p>
+                      <a:pPr marL="0" marR="0" lvl="0" indent="0" algn="l" defTabSz="914377" rtl="0" eaLnBrk="1" fontAlgn="base" latinLnBrk="0" hangingPunct="1">
+                        <a:lnSpc>
+                          <a:spcPct val="130000"/>
+                        </a:lnSpc>
+                        <a:spcBef>
+                          <a:spcPts val="0"/>
+                        </a:spcBef>
+                        <a:spcAft>
+                          <a:spcPts val="0"/>
+                        </a:spcAft>
+                        <a:buClrTx/>
+                        <a:buSzTx/>
+                        <a:buFontTx/>
+                        <a:buNone/>
+                        <a:tabLst/>
+                        <a:defRPr/>
+                      </a:pPr>
+                      <a:r>
+                        <a:rPr lang="ko-KR" altLang="en-US" sz="1500" b="0" kern="0" spc="0" dirty="0">
+                          <a:solidFill>
+                            <a:schemeClr val="bg1">
+                              <a:lumMod val="50000"/>
+                            </a:schemeClr>
+                          </a:solidFill>
+                          <a:effectLst/>
+                          <a:latin typeface="맑은 고딕" panose="020B0503020000020004" pitchFamily="50" charset="-127"/>
+                        </a:rPr>
+                        <a:t>주요 핵심 키워드 방향은 대부분 부드러운 부분이 많고</a:t>
+                      </a:r>
+                      <a:r>
+                        <a:rPr lang="en-US" altLang="ko-KR" sz="1500" b="0" kern="0" spc="0" dirty="0">
+                          <a:solidFill>
+                            <a:schemeClr val="bg1">
+                              <a:lumMod val="50000"/>
+                            </a:schemeClr>
+                          </a:solidFill>
+                          <a:effectLst/>
+                          <a:latin typeface="맑은 고딕" panose="020B0503020000020004" pitchFamily="50" charset="-127"/>
+                        </a:rPr>
+                        <a:t>, </a:t>
+                      </a:r>
+                      <a:r>
+                        <a:rPr lang="ko-KR" altLang="en-US" sz="1500" b="0" kern="0" spc="0" dirty="0">
+                          <a:solidFill>
+                            <a:schemeClr val="bg1">
+                              <a:lumMod val="50000"/>
+                            </a:schemeClr>
+                          </a:solidFill>
+                          <a:effectLst/>
+                          <a:latin typeface="맑은 고딕" panose="020B0503020000020004" pitchFamily="50" charset="-127"/>
+                        </a:rPr>
+                        <a:t>정적인 부분과 동적인 부분이 잘 양분되어 있다</a:t>
+                      </a:r>
+                      <a:r>
+                        <a:rPr lang="en-US" altLang="ko-KR" sz="1500" b="0" kern="0" spc="0" dirty="0">
+                          <a:solidFill>
+                            <a:schemeClr val="bg1">
+                              <a:lumMod val="50000"/>
+                            </a:schemeClr>
+                          </a:solidFill>
+                          <a:effectLst/>
+                          <a:latin typeface="맑은 고딕" panose="020B0503020000020004" pitchFamily="50" charset="-127"/>
+                        </a:rPr>
+                        <a:t>. </a:t>
+                      </a:r>
+                      <a:r>
+                        <a:rPr lang="ko-KR" altLang="en-US" sz="1500" b="0" kern="0" spc="0" dirty="0">
+                          <a:solidFill>
+                            <a:schemeClr val="bg1">
+                              <a:lumMod val="50000"/>
+                            </a:schemeClr>
+                          </a:solidFill>
+                          <a:effectLst/>
+                          <a:latin typeface="맑은 고딕" panose="020B0503020000020004" pitchFamily="50" charset="-127"/>
+                        </a:rPr>
+                        <a:t>브랜드에서는 상큼하고 시원하며 생동감 있는 이미지를 계속 이어가고자 하기 때문에 기존 컬러에서 크게 변동을 주지 않고 기업의 주요 컬러인 레드를 포인트 컬러로 잡아</a:t>
+                      </a:r>
+                      <a:r>
+                        <a:rPr lang="en-US" altLang="ko-KR" sz="1500" b="0" kern="0" spc="0" dirty="0">
+                          <a:solidFill>
+                            <a:schemeClr val="bg1">
+                              <a:lumMod val="50000"/>
+                            </a:schemeClr>
+                          </a:solidFill>
+                          <a:effectLst/>
+                          <a:latin typeface="맑은 고딕" panose="020B0503020000020004" pitchFamily="50" charset="-127"/>
+                        </a:rPr>
+                        <a:t>, </a:t>
+                      </a:r>
+                      <a:r>
+                        <a:rPr lang="ko-KR" altLang="en-US" sz="1500" b="0" kern="0" spc="0" dirty="0">
+                          <a:solidFill>
+                            <a:schemeClr val="bg1">
+                              <a:lumMod val="50000"/>
+                            </a:schemeClr>
+                          </a:solidFill>
+                          <a:effectLst/>
+                          <a:latin typeface="맑은 고딕" panose="020B0503020000020004" pitchFamily="50" charset="-127"/>
+                        </a:rPr>
+                        <a:t>핵심 제품군인 </a:t>
+                      </a:r>
+                      <a:r>
+                        <a:rPr lang="ko-KR" altLang="en-US" sz="1500" b="0" kern="0" spc="0" dirty="0" err="1">
+                          <a:solidFill>
+                            <a:schemeClr val="bg1">
+                              <a:lumMod val="50000"/>
+                            </a:schemeClr>
+                          </a:solidFill>
+                          <a:effectLst/>
+                          <a:latin typeface="맑은 고딕" panose="020B0503020000020004" pitchFamily="50" charset="-127"/>
+                        </a:rPr>
+                        <a:t>밀크티의</a:t>
+                      </a:r>
+                      <a:r>
+                        <a:rPr lang="ko-KR" altLang="en-US" sz="1500" b="0" kern="0" spc="0" dirty="0">
+                          <a:solidFill>
+                            <a:schemeClr val="bg1">
+                              <a:lumMod val="50000"/>
+                            </a:schemeClr>
+                          </a:solidFill>
+                          <a:effectLst/>
+                          <a:latin typeface="맑은 고딕" panose="020B0503020000020004" pitchFamily="50" charset="-127"/>
+                        </a:rPr>
+                        <a:t> 밝은 브라운 컬러와 같은 부드러운 컬러를 같이 매칭하여 밝고 부드러운 느낌을 주고자 한다</a:t>
+                      </a:r>
+                      <a:r>
+                        <a:rPr lang="en-US" altLang="ko-KR" sz="1500" b="0" kern="0" spc="0" dirty="0">
+                          <a:solidFill>
+                            <a:schemeClr val="bg1">
+                              <a:lumMod val="50000"/>
+                            </a:schemeClr>
+                          </a:solidFill>
+                          <a:effectLst/>
+                          <a:latin typeface="맑은 고딕" panose="020B0503020000020004" pitchFamily="50" charset="-127"/>
+                        </a:rPr>
+                        <a:t>. </a:t>
+                      </a:r>
+                      <a:endParaRPr lang="ko-KR" altLang="en-US" sz="1500" b="0" kern="0" spc="0" dirty="0">
+                        <a:solidFill>
+                          <a:schemeClr val="bg1">
+                            <a:lumMod val="50000"/>
+                          </a:schemeClr>
+                        </a:solidFill>
+                        <a:effectLst/>
+                        <a:latin typeface="맑은 고딕" panose="020B0503020000020004" pitchFamily="50" charset="-127"/>
+                      </a:endParaRPr>
+                    </a:p>
                     <a:p>
                       <a:pPr marL="0" marR="0" indent="0" algn="l" fontAlgn="base" latinLnBrk="0">
                         <a:lnSpc>
@@ -16001,6 +19054,41 @@
           </a:prstGeom>
         </p:spPr>
       </p:pic>
+      <p:pic>
+        <p:nvPicPr>
+          <p:cNvPr id="7" name="그림 6">
+            <a:extLst>
+              <a:ext uri="{FF2B5EF4-FFF2-40B4-BE49-F238E27FC236}">
+                <a16:creationId xmlns:a16="http://schemas.microsoft.com/office/drawing/2014/main" id="{4D5506C7-5301-4654-8668-97AAFEF54AEE}"/>
+              </a:ext>
+            </a:extLst>
+          </p:cNvPr>
+          <p:cNvPicPr>
+            <a:picLocks noChangeAspect="1"/>
+          </p:cNvPicPr>
+          <p:nvPr/>
+        </p:nvPicPr>
+        <p:blipFill rotWithShape="1">
+          <a:blip r:embed="rId3" cstate="print">
+            <a:extLst>
+              <a:ext uri="{28A0092B-C50C-407E-A947-70E740481C1C}">
+                <a14:useLocalDpi xmlns:a14="http://schemas.microsoft.com/office/drawing/2010/main" val="0"/>
+              </a:ext>
+            </a:extLst>
+          </a:blip>
+          <a:srcRect l="41925" r="29500"/>
+          <a:stretch/>
+        </p:blipFill>
+        <p:spPr>
+          <a:xfrm>
+            <a:off x="6821424" y="2001611"/>
+            <a:ext cx="3483864" cy="5842000"/>
+          </a:xfrm>
+          <a:prstGeom prst="rect">
+            <a:avLst/>
+          </a:prstGeom>
+        </p:spPr>
+      </p:pic>
     </p:spTree>
     <p:extLst>
       <p:ext uri="{BB962C8B-B14F-4D97-AF65-F5344CB8AC3E}">
@@ -16724,6 +19812,41 @@
           </a:p>
         </p:txBody>
       </p:sp>
+      <p:pic>
+        <p:nvPicPr>
+          <p:cNvPr id="5" name="그림 4">
+            <a:extLst>
+              <a:ext uri="{FF2B5EF4-FFF2-40B4-BE49-F238E27FC236}">
+                <a16:creationId xmlns:a16="http://schemas.microsoft.com/office/drawing/2014/main" id="{463DAA84-E265-405F-BFFD-1634B339B70F}"/>
+              </a:ext>
+            </a:extLst>
+          </p:cNvPr>
+          <p:cNvPicPr>
+            <a:picLocks noChangeAspect="1"/>
+          </p:cNvPicPr>
+          <p:nvPr/>
+        </p:nvPicPr>
+        <p:blipFill rotWithShape="1">
+          <a:blip r:embed="rId2">
+            <a:extLst>
+              <a:ext uri="{28A0092B-C50C-407E-A947-70E740481C1C}">
+                <a14:useLocalDpi xmlns:a14="http://schemas.microsoft.com/office/drawing/2010/main" val="0"/>
+              </a:ext>
+            </a:extLst>
+          </a:blip>
+          <a:srcRect l="29325" t="34661" r="54325" b="27461"/>
+          <a:stretch/>
+        </p:blipFill>
+        <p:spPr>
+          <a:xfrm>
+            <a:off x="6766560" y="1374189"/>
+            <a:ext cx="4594860" cy="5100716"/>
+          </a:xfrm>
+          <a:prstGeom prst="rect">
+            <a:avLst/>
+          </a:prstGeom>
+        </p:spPr>
+      </p:pic>
     </p:spTree>
     <p:extLst>
       <p:ext uri="{BB962C8B-B14F-4D97-AF65-F5344CB8AC3E}">
@@ -17683,7 +20806,7 @@
               <a:t>: </a:t>
             </a:r>
             <a:r>
-              <a:rPr lang="ko-KR" altLang="en-US" sz="1800" dirty="0">
+              <a:rPr lang="ko-KR" altLang="en-US" sz="1800" dirty="0" err="1">
                 <a:solidFill>
                   <a:prstClr val="white">
                     <a:lumMod val="50000"/>
@@ -17692,7 +20815,7 @@
                 <a:latin typeface="맑은 고딕" panose="020B0503020000020004" pitchFamily="50" charset="-127"/>
                 <a:ea typeface="맑은 고딕" panose="020B0503020000020004" pitchFamily="50" charset="-127"/>
               </a:rPr>
-              <a:t>이름</a:t>
+              <a:t>강슬아</a:t>
             </a:r>
             <a:r>
               <a:rPr lang="en-US" altLang="ko-KR" sz="1800" dirty="0">

--- a/n_01_UIUX요구분석_공차.pptx
+++ b/n_01_UIUX요구분석_공차.pptx
@@ -2033,7 +2033,31 @@
               </a:solidFill>
               <a:latin typeface="+mn-lt"/>
             </a:rPr>
-            <a:t>티 음료에 관심을 가지고 있는 젊은 층</a:t>
+            <a:t>티 음료에 관심을 가지고 있는 젊은 층 </a:t>
+          </a:r>
+          <a:r>
+            <a:rPr lang="en-US" altLang="ko-KR" sz="1100" b="0" dirty="0">
+              <a:solidFill>
+                <a:schemeClr val="tx1">
+                  <a:lumMod val="75000"/>
+                  <a:lumOff val="25000"/>
+                </a:schemeClr>
+              </a:solidFill>
+              <a:latin typeface="+mn-lt"/>
+            </a:rPr>
+            <a:t>/ </a:t>
+          </a:r>
+          <a:r>
+            <a:rPr lang="ko-KR" altLang="en-US" sz="1100" b="0" dirty="0">
+              <a:solidFill>
+                <a:schemeClr val="tx1">
+                  <a:lumMod val="75000"/>
+                  <a:lumOff val="25000"/>
+                </a:schemeClr>
+              </a:solidFill>
+              <a:latin typeface="+mn-lt"/>
+            </a:rPr>
+            <a:t>프랜차이즈 창업에 관심을 가지고 있는 개인</a:t>
           </a:r>
         </a:p>
       </dgm:t>
@@ -4257,7 +4281,31 @@
               </a:solidFill>
               <a:latin typeface="+mn-lt"/>
             </a:rPr>
-            <a:t>티 음료에 관심을 가지고 있는 젊은 층</a:t>
+            <a:t>티 음료에 관심을 가지고 있는 젊은 층 </a:t>
+          </a:r>
+          <a:r>
+            <a:rPr lang="en-US" altLang="ko-KR" sz="1100" b="0" kern="1200" dirty="0">
+              <a:solidFill>
+                <a:schemeClr val="tx1">
+                  <a:lumMod val="75000"/>
+                  <a:lumOff val="25000"/>
+                </a:schemeClr>
+              </a:solidFill>
+              <a:latin typeface="+mn-lt"/>
+            </a:rPr>
+            <a:t>/ </a:t>
+          </a:r>
+          <a:r>
+            <a:rPr lang="ko-KR" altLang="en-US" sz="1100" b="0" kern="1200" dirty="0">
+              <a:solidFill>
+                <a:schemeClr val="tx1">
+                  <a:lumMod val="75000"/>
+                  <a:lumOff val="25000"/>
+                </a:schemeClr>
+              </a:solidFill>
+              <a:latin typeface="+mn-lt"/>
+            </a:rPr>
+            <a:t>프랜차이즈 창업에 관심을 가지고 있는 개인</a:t>
           </a:r>
         </a:p>
       </dsp:txBody>
@@ -21101,7 +21149,7 @@
           <p:nvPr>
             <p:extLst>
               <p:ext uri="{D42A27DB-BD31-4B8C-83A1-F6EECF244321}">
-                <p14:modId xmlns:p14="http://schemas.microsoft.com/office/powerpoint/2010/main" val="295590327"/>
+                <p14:modId xmlns:p14="http://schemas.microsoft.com/office/powerpoint/2010/main" val="3792693819"/>
               </p:ext>
             </p:extLst>
           </p:nvPr>
@@ -23442,7 +23490,7 @@
           <p:nvPr>
             <p:extLst>
               <p:ext uri="{D42A27DB-BD31-4B8C-83A1-F6EECF244321}">
-                <p14:modId xmlns:p14="http://schemas.microsoft.com/office/powerpoint/2010/main" val="950132805"/>
+                <p14:modId xmlns:p14="http://schemas.microsoft.com/office/powerpoint/2010/main" val="2731356035"/>
               </p:ext>
             </p:extLst>
           </p:nvPr>
@@ -24374,7 +24422,7 @@
                           </a:solidFill>
                           <a:latin typeface="+mn-lt"/>
                         </a:rPr>
-                        <a:t>꾸준한 것 같다</a:t>
+                        <a:t>많지는 않지만 꾸준히 있다</a:t>
                       </a:r>
                       <a:r>
                         <a:rPr lang="en-US" altLang="ko-KR" sz="1100" b="0" dirty="0">
@@ -24386,8 +24434,68 @@
                           </a:solidFill>
                           <a:latin typeface="+mn-lt"/>
                         </a:rPr>
-                        <a:t>…</a:t>
+                        <a:t>.</a:t>
                       </a:r>
+                    </a:p>
+                    <a:p>
+                      <a:pPr latinLnBrk="1"/>
+                      <a:r>
+                        <a:rPr lang="ko-KR" altLang="en-US" sz="1100" b="0" dirty="0">
+                          <a:solidFill>
+                            <a:schemeClr val="tx1">
+                              <a:lumMod val="75000"/>
+                              <a:lumOff val="25000"/>
+                            </a:schemeClr>
+                          </a:solidFill>
+                          <a:latin typeface="+mn-lt"/>
+                        </a:rPr>
+                        <a:t>코로나로 인한 </a:t>
+                      </a:r>
+                      <a:r>
+                        <a:rPr lang="ko-KR" altLang="en-US" sz="1100" b="0" dirty="0" err="1">
+                          <a:solidFill>
+                            <a:schemeClr val="tx1">
+                              <a:lumMod val="75000"/>
+                              <a:lumOff val="25000"/>
+                            </a:schemeClr>
+                          </a:solidFill>
+                          <a:latin typeface="+mn-lt"/>
+                        </a:rPr>
+                        <a:t>비대면</a:t>
+                      </a:r>
+                      <a:r>
+                        <a:rPr lang="ko-KR" altLang="en-US" sz="1100" b="0" dirty="0">
+                          <a:solidFill>
+                            <a:schemeClr val="tx1">
+                              <a:lumMod val="75000"/>
+                              <a:lumOff val="25000"/>
+                            </a:schemeClr>
+                          </a:solidFill>
+                          <a:latin typeface="+mn-lt"/>
+                        </a:rPr>
+                        <a:t> 서비스가 대두된 시기이므로 배달 시장을 공략한다면 잠재 수요를 더욱 이끌어 낼 수 있을 것으로 보인다</a:t>
+                      </a:r>
+                      <a:r>
+                        <a:rPr lang="en-US" altLang="ko-KR" sz="1100" b="0" dirty="0">
+                          <a:solidFill>
+                            <a:schemeClr val="tx1">
+                              <a:lumMod val="75000"/>
+                              <a:lumOff val="25000"/>
+                            </a:schemeClr>
+                          </a:solidFill>
+                          <a:latin typeface="+mn-lt"/>
+                        </a:rPr>
+                        <a:t>.</a:t>
+                      </a:r>
+                      <a:endParaRPr lang="ko-KR" altLang="en-US" sz="1100" b="0" dirty="0">
+                        <a:solidFill>
+                          <a:schemeClr val="tx1">
+                            <a:lumMod val="75000"/>
+                            <a:lumOff val="25000"/>
+                          </a:schemeClr>
+                        </a:solidFill>
+                        <a:latin typeface="+mn-lt"/>
+                      </a:endParaRPr>
                     </a:p>
                   </a:txBody>
                   <a:tcPr>
@@ -27541,7 +27649,7 @@
           <p:nvPr>
             <p:extLst>
               <p:ext uri="{D42A27DB-BD31-4B8C-83A1-F6EECF244321}">
-                <p14:modId xmlns:p14="http://schemas.microsoft.com/office/powerpoint/2010/main" val="3925773963"/>
+                <p14:modId xmlns:p14="http://schemas.microsoft.com/office/powerpoint/2010/main" val="3843000751"/>
               </p:ext>
             </p:extLst>
           </p:nvPr>
@@ -30838,7 +30946,7 @@
           <p:nvPr>
             <p:extLst>
               <p:ext uri="{D42A27DB-BD31-4B8C-83A1-F6EECF244321}">
-                <p14:modId xmlns:p14="http://schemas.microsoft.com/office/powerpoint/2010/main" val="3708811898"/>
+                <p14:modId xmlns:p14="http://schemas.microsoft.com/office/powerpoint/2010/main" val="1505277722"/>
               </p:ext>
             </p:extLst>
           </p:nvPr>
